--- a/docs/Курсовая_Презентация.pptx
+++ b/docs/Курсовая_Презентация.pptx
@@ -9,16 +9,13 @@
     <p:sldId id="260" r:id="rId3"/>
     <p:sldId id="257" r:id="rId4"/>
     <p:sldId id="259" r:id="rId5"/>
-    <p:sldId id="262" r:id="rId6"/>
-    <p:sldId id="263" r:id="rId7"/>
-    <p:sldId id="261" r:id="rId8"/>
-    <p:sldId id="265" r:id="rId9"/>
-    <p:sldId id="264" r:id="rId10"/>
-    <p:sldId id="266" r:id="rId11"/>
-    <p:sldId id="267" r:id="rId12"/>
-    <p:sldId id="268" r:id="rId13"/>
-    <p:sldId id="269" r:id="rId14"/>
-    <p:sldId id="258" r:id="rId15"/>
+    <p:sldId id="263" r:id="rId6"/>
+    <p:sldId id="261" r:id="rId7"/>
+    <p:sldId id="265" r:id="rId8"/>
+    <p:sldId id="266" r:id="rId9"/>
+    <p:sldId id="268" r:id="rId10"/>
+    <p:sldId id="269" r:id="rId11"/>
+    <p:sldId id="258" r:id="rId12"/>
   </p:sldIdLst>
   <p:sldSz cx="12192000" cy="6858000"/>
   <p:notesSz cx="6858000" cy="9144000"/>
@@ -117,6 +114,11 @@
       </a:defRPr>
     </a:lvl9pPr>
   </p:defaultTextStyle>
+  <p:extLst>
+    <p:ext uri="{EFAFB233-063F-42B5-8137-9DF3F51BA10A}">
+      <p15:sldGuideLst xmlns:p15="http://schemas.microsoft.com/office/powerpoint/2012/main"/>
+    </p:ext>
+  </p:extLst>
 </p:presentation>
 </file>
 
@@ -267,7 +269,7 @@
           <a:p>
             <a:fld id="{8B7CF89E-7599-4A3E-BCA8-779E1FAA9778}" type="datetimeFigureOut">
               <a:rPr lang="ru-RU" smtClean="0"/>
-              <a:t>20.12.2023</a:t>
+              <a:t>21.12.2023</a:t>
             </a:fld>
             <a:endParaRPr lang="ru-RU"/>
           </a:p>
@@ -465,7 +467,7 @@
           <a:p>
             <a:fld id="{8B7CF89E-7599-4A3E-BCA8-779E1FAA9778}" type="datetimeFigureOut">
               <a:rPr lang="ru-RU" smtClean="0"/>
-              <a:t>20.12.2023</a:t>
+              <a:t>21.12.2023</a:t>
             </a:fld>
             <a:endParaRPr lang="ru-RU"/>
           </a:p>
@@ -673,7 +675,7 @@
           <a:p>
             <a:fld id="{8B7CF89E-7599-4A3E-BCA8-779E1FAA9778}" type="datetimeFigureOut">
               <a:rPr lang="ru-RU" smtClean="0"/>
-              <a:t>20.12.2023</a:t>
+              <a:t>21.12.2023</a:t>
             </a:fld>
             <a:endParaRPr lang="ru-RU"/>
           </a:p>
@@ -871,7 +873,7 @@
           <a:p>
             <a:fld id="{8B7CF89E-7599-4A3E-BCA8-779E1FAA9778}" type="datetimeFigureOut">
               <a:rPr lang="ru-RU" smtClean="0"/>
-              <a:t>20.12.2023</a:t>
+              <a:t>21.12.2023</a:t>
             </a:fld>
             <a:endParaRPr lang="ru-RU"/>
           </a:p>
@@ -1146,7 +1148,7 @@
           <a:p>
             <a:fld id="{8B7CF89E-7599-4A3E-BCA8-779E1FAA9778}" type="datetimeFigureOut">
               <a:rPr lang="ru-RU" smtClean="0"/>
-              <a:t>20.12.2023</a:t>
+              <a:t>21.12.2023</a:t>
             </a:fld>
             <a:endParaRPr lang="ru-RU"/>
           </a:p>
@@ -1411,7 +1413,7 @@
           <a:p>
             <a:fld id="{8B7CF89E-7599-4A3E-BCA8-779E1FAA9778}" type="datetimeFigureOut">
               <a:rPr lang="ru-RU" smtClean="0"/>
-              <a:t>20.12.2023</a:t>
+              <a:t>21.12.2023</a:t>
             </a:fld>
             <a:endParaRPr lang="ru-RU"/>
           </a:p>
@@ -1823,7 +1825,7 @@
           <a:p>
             <a:fld id="{8B7CF89E-7599-4A3E-BCA8-779E1FAA9778}" type="datetimeFigureOut">
               <a:rPr lang="ru-RU" smtClean="0"/>
-              <a:t>20.12.2023</a:t>
+              <a:t>21.12.2023</a:t>
             </a:fld>
             <a:endParaRPr lang="ru-RU"/>
           </a:p>
@@ -1964,7 +1966,7 @@
           <a:p>
             <a:fld id="{8B7CF89E-7599-4A3E-BCA8-779E1FAA9778}" type="datetimeFigureOut">
               <a:rPr lang="ru-RU" smtClean="0"/>
-              <a:t>20.12.2023</a:t>
+              <a:t>21.12.2023</a:t>
             </a:fld>
             <a:endParaRPr lang="ru-RU"/>
           </a:p>
@@ -2077,7 +2079,7 @@
           <a:p>
             <a:fld id="{8B7CF89E-7599-4A3E-BCA8-779E1FAA9778}" type="datetimeFigureOut">
               <a:rPr lang="ru-RU" smtClean="0"/>
-              <a:t>20.12.2023</a:t>
+              <a:t>21.12.2023</a:t>
             </a:fld>
             <a:endParaRPr lang="ru-RU"/>
           </a:p>
@@ -2388,7 +2390,7 @@
           <a:p>
             <a:fld id="{8B7CF89E-7599-4A3E-BCA8-779E1FAA9778}" type="datetimeFigureOut">
               <a:rPr lang="ru-RU" smtClean="0"/>
-              <a:t>20.12.2023</a:t>
+              <a:t>21.12.2023</a:t>
             </a:fld>
             <a:endParaRPr lang="ru-RU"/>
           </a:p>
@@ -2676,7 +2678,7 @@
           <a:p>
             <a:fld id="{8B7CF89E-7599-4A3E-BCA8-779E1FAA9778}" type="datetimeFigureOut">
               <a:rPr lang="ru-RU" smtClean="0"/>
-              <a:t>20.12.2023</a:t>
+              <a:t>21.12.2023</a:t>
             </a:fld>
             <a:endParaRPr lang="ru-RU"/>
           </a:p>
@@ -2917,7 +2919,7 @@
           <a:p>
             <a:fld id="{8B7CF89E-7599-4A3E-BCA8-779E1FAA9778}" type="datetimeFigureOut">
               <a:rPr lang="ru-RU" smtClean="0"/>
-              <a:t>20.12.2023</a:t>
+              <a:t>21.12.2023</a:t>
             </a:fld>
             <a:endParaRPr lang="ru-RU"/>
           </a:p>
@@ -3522,407 +3524,6 @@
           <p:cNvPr id="2" name="Заголовок 1">
             <a:extLst>
               <a:ext uri="{FF2B5EF4-FFF2-40B4-BE49-F238E27FC236}">
-                <a16:creationId xmlns:a16="http://schemas.microsoft.com/office/drawing/2014/main" id="{464CA01A-70CA-2693-6ED2-828AB46C1697}"/>
-              </a:ext>
-            </a:extLst>
-          </p:cNvPr>
-          <p:cNvSpPr>
-            <a:spLocks noGrp="1"/>
-          </p:cNvSpPr>
-          <p:nvPr>
-            <p:ph type="title"/>
-          </p:nvPr>
-        </p:nvSpPr>
-        <p:spPr/>
-        <p:txBody>
-          <a:bodyPr/>
-          <a:lstStyle/>
-          <a:p>
-            <a:r>
-              <a:rPr lang="ru-RU" dirty="0"/>
-              <a:t>Средства реализации</a:t>
-            </a:r>
-          </a:p>
-        </p:txBody>
-      </p:sp>
-      <p:pic>
-        <p:nvPicPr>
-          <p:cNvPr id="2050" name="Picture 2">
-            <a:extLst>
-              <a:ext uri="{FF2B5EF4-FFF2-40B4-BE49-F238E27FC236}">
-                <a16:creationId xmlns:a16="http://schemas.microsoft.com/office/drawing/2014/main" id="{1ACC9D6C-C4D5-7707-1905-B1D55096AA3E}"/>
-              </a:ext>
-            </a:extLst>
-          </p:cNvPr>
-          <p:cNvPicPr>
-            <a:picLocks noChangeAspect="1" noChangeArrowheads="1"/>
-          </p:cNvPicPr>
-          <p:nvPr/>
-        </p:nvPicPr>
-        <p:blipFill>
-          <a:blip r:embed="rId2">
-            <a:extLst>
-              <a:ext uri="{28A0092B-C50C-407E-A947-70E740481C1C}">
-                <a14:useLocalDpi xmlns:a14="http://schemas.microsoft.com/office/drawing/2010/main" val="0"/>
-              </a:ext>
-            </a:extLst>
-          </a:blip>
-          <a:srcRect/>
-          <a:stretch>
-            <a:fillRect/>
-          </a:stretch>
-        </p:blipFill>
-        <p:spPr bwMode="auto">
-          <a:xfrm>
-            <a:off x="3824287" y="1798061"/>
-            <a:ext cx="4543425" cy="1876425"/>
-          </a:xfrm>
-          <a:prstGeom prst="rect">
-            <a:avLst/>
-          </a:prstGeom>
-          <a:noFill/>
-          <a:extLst>
-            <a:ext uri="{909E8E84-426E-40DD-AFC4-6F175D3DCCD1}">
-              <a14:hiddenFill xmlns:a14="http://schemas.microsoft.com/office/drawing/2010/main">
-                <a:solidFill>
-                  <a:srgbClr val="FFFFFF"/>
-                </a:solidFill>
-              </a14:hiddenFill>
-            </a:ext>
-          </a:extLst>
-        </p:spPr>
-      </p:pic>
-      <p:pic>
-        <p:nvPicPr>
-          <p:cNvPr id="2054" name="Picture 6">
-            <a:extLst>
-              <a:ext uri="{FF2B5EF4-FFF2-40B4-BE49-F238E27FC236}">
-                <a16:creationId xmlns:a16="http://schemas.microsoft.com/office/drawing/2014/main" id="{EE4D40E0-2C97-82DF-731F-E3BA5DCF3056}"/>
-              </a:ext>
-            </a:extLst>
-          </p:cNvPr>
-          <p:cNvPicPr>
-            <a:picLocks noChangeAspect="1" noChangeArrowheads="1"/>
-          </p:cNvPicPr>
-          <p:nvPr/>
-        </p:nvPicPr>
-        <p:blipFill>
-          <a:blip r:embed="rId3">
-            <a:extLst>
-              <a:ext uri="{28A0092B-C50C-407E-A947-70E740481C1C}">
-                <a14:useLocalDpi xmlns:a14="http://schemas.microsoft.com/office/drawing/2010/main" val="0"/>
-              </a:ext>
-            </a:extLst>
-          </a:blip>
-          <a:srcRect/>
-          <a:stretch>
-            <a:fillRect/>
-          </a:stretch>
-        </p:blipFill>
-        <p:spPr bwMode="auto">
-          <a:xfrm>
-            <a:off x="2142836" y="3934454"/>
-            <a:ext cx="2755179" cy="2143027"/>
-          </a:xfrm>
-          <a:prstGeom prst="rect">
-            <a:avLst/>
-          </a:prstGeom>
-          <a:noFill/>
-          <a:extLst>
-            <a:ext uri="{909E8E84-426E-40DD-AFC4-6F175D3DCCD1}">
-              <a14:hiddenFill xmlns:a14="http://schemas.microsoft.com/office/drawing/2010/main">
-                <a:solidFill>
-                  <a:srgbClr val="FFFFFF"/>
-                </a:solidFill>
-              </a14:hiddenFill>
-            </a:ext>
-          </a:extLst>
-        </p:spPr>
-      </p:pic>
-      <p:pic>
-        <p:nvPicPr>
-          <p:cNvPr id="2056" name="Picture 8">
-            <a:extLst>
-              <a:ext uri="{FF2B5EF4-FFF2-40B4-BE49-F238E27FC236}">
-                <a16:creationId xmlns:a16="http://schemas.microsoft.com/office/drawing/2014/main" id="{86F45F4D-7E86-E8EA-DA7D-3CEC3BE11801}"/>
-              </a:ext>
-            </a:extLst>
-          </p:cNvPr>
-          <p:cNvPicPr>
-            <a:picLocks noChangeAspect="1" noChangeArrowheads="1"/>
-          </p:cNvPicPr>
-          <p:nvPr/>
-        </p:nvPicPr>
-        <p:blipFill>
-          <a:blip r:embed="rId4">
-            <a:extLst>
-              <a:ext uri="{28A0092B-C50C-407E-A947-70E740481C1C}">
-                <a14:useLocalDpi xmlns:a14="http://schemas.microsoft.com/office/drawing/2010/main" val="0"/>
-              </a:ext>
-            </a:extLst>
-          </a:blip>
-          <a:srcRect/>
-          <a:stretch>
-            <a:fillRect/>
-          </a:stretch>
-        </p:blipFill>
-        <p:spPr bwMode="auto">
-          <a:xfrm>
-            <a:off x="8367712" y="3781859"/>
-            <a:ext cx="1983366" cy="2047835"/>
-          </a:xfrm>
-          <a:prstGeom prst="rect">
-            <a:avLst/>
-          </a:prstGeom>
-          <a:noFill/>
-          <a:extLst>
-            <a:ext uri="{909E8E84-426E-40DD-AFC4-6F175D3DCCD1}">
-              <a14:hiddenFill xmlns:a14="http://schemas.microsoft.com/office/drawing/2010/main">
-                <a:solidFill>
-                  <a:srgbClr val="FFFFFF"/>
-                </a:solidFill>
-              </a14:hiddenFill>
-            </a:ext>
-          </a:extLst>
-        </p:spPr>
-      </p:pic>
-    </p:spTree>
-    <p:extLst>
-      <p:ext uri="{BB962C8B-B14F-4D97-AF65-F5344CB8AC3E}">
-        <p14:creationId xmlns:p14="http://schemas.microsoft.com/office/powerpoint/2010/main" val="1346063035"/>
-      </p:ext>
-    </p:extLst>
-  </p:cSld>
-  <p:clrMapOvr>
-    <a:masterClrMapping/>
-  </p:clrMapOvr>
-</p:sld>
-</file>
-
-<file path=ppt/slides/slide11.xml><?xml version="1.0" encoding="utf-8"?>
-<p:sld xmlns:a="http://schemas.openxmlformats.org/drawingml/2006/main" xmlns:r="http://schemas.openxmlformats.org/officeDocument/2006/relationships" xmlns:p="http://schemas.openxmlformats.org/presentationml/2006/main">
-  <p:cSld>
-    <p:spTree>
-      <p:nvGrpSpPr>
-        <p:cNvPr id="1" name=""/>
-        <p:cNvGrpSpPr/>
-        <p:nvPr/>
-      </p:nvGrpSpPr>
-      <p:grpSpPr>
-        <a:xfrm>
-          <a:off x="0" y="0"/>
-          <a:ext cx="0" cy="0"/>
-          <a:chOff x="0" y="0"/>
-          <a:chExt cx="0" cy="0"/>
-        </a:xfrm>
-      </p:grpSpPr>
-      <p:sp>
-        <p:nvSpPr>
-          <p:cNvPr id="2" name="Заголовок 1">
-            <a:extLst>
-              <a:ext uri="{FF2B5EF4-FFF2-40B4-BE49-F238E27FC236}">
-                <a16:creationId xmlns:a16="http://schemas.microsoft.com/office/drawing/2014/main" id="{43FFC333-C0E3-8A44-3FFE-72EB6C4BCA63}"/>
-              </a:ext>
-            </a:extLst>
-          </p:cNvPr>
-          <p:cNvSpPr>
-            <a:spLocks noGrp="1"/>
-          </p:cNvSpPr>
-          <p:nvPr>
-            <p:ph type="title"/>
-          </p:nvPr>
-        </p:nvSpPr>
-        <p:spPr/>
-        <p:txBody>
-          <a:bodyPr/>
-          <a:lstStyle/>
-          <a:p>
-            <a:r>
-              <a:rPr lang="en-US" dirty="0"/>
-              <a:t>UML </a:t>
-            </a:r>
-            <a:r>
-              <a:rPr lang="ru-RU" dirty="0"/>
-              <a:t>диаграмма</a:t>
-            </a:r>
-          </a:p>
-        </p:txBody>
-      </p:sp>
-      <p:pic>
-        <p:nvPicPr>
-          <p:cNvPr id="4" name="Рисунок 3">
-            <a:extLst>
-              <a:ext uri="{FF2B5EF4-FFF2-40B4-BE49-F238E27FC236}">
-                <a16:creationId xmlns:a16="http://schemas.microsoft.com/office/drawing/2014/main" id="{9605EBC9-FB75-5622-3DBA-D6AEB684503F}"/>
-              </a:ext>
-            </a:extLst>
-          </p:cNvPr>
-          <p:cNvPicPr>
-            <a:picLocks noChangeAspect="1"/>
-          </p:cNvPicPr>
-          <p:nvPr/>
-        </p:nvPicPr>
-        <p:blipFill>
-          <a:blip r:embed="rId2" cstate="print">
-            <a:extLst>
-              <a:ext uri="{28A0092B-C50C-407E-A947-70E740481C1C}">
-                <a14:useLocalDpi xmlns:a14="http://schemas.microsoft.com/office/drawing/2010/main" val="0"/>
-              </a:ext>
-            </a:extLst>
-          </a:blip>
-          <a:srcRect/>
-          <a:stretch>
-            <a:fillRect/>
-          </a:stretch>
-        </p:blipFill>
-        <p:spPr bwMode="auto">
-          <a:xfrm>
-            <a:off x="1902202" y="1451985"/>
-            <a:ext cx="8387595" cy="5040890"/>
-          </a:xfrm>
-          <a:prstGeom prst="rect">
-            <a:avLst/>
-          </a:prstGeom>
-          <a:noFill/>
-          <a:ln>
-            <a:noFill/>
-          </a:ln>
-        </p:spPr>
-      </p:pic>
-    </p:spTree>
-    <p:extLst>
-      <p:ext uri="{BB962C8B-B14F-4D97-AF65-F5344CB8AC3E}">
-        <p14:creationId xmlns:p14="http://schemas.microsoft.com/office/powerpoint/2010/main" val="1131143998"/>
-      </p:ext>
-    </p:extLst>
-  </p:cSld>
-  <p:clrMapOvr>
-    <a:masterClrMapping/>
-  </p:clrMapOvr>
-</p:sld>
-</file>
-
-<file path=ppt/slides/slide12.xml><?xml version="1.0" encoding="utf-8"?>
-<p:sld xmlns:a="http://schemas.openxmlformats.org/drawingml/2006/main" xmlns:r="http://schemas.openxmlformats.org/officeDocument/2006/relationships" xmlns:p="http://schemas.openxmlformats.org/presentationml/2006/main">
-  <p:cSld>
-    <p:spTree>
-      <p:nvGrpSpPr>
-        <p:cNvPr id="1" name=""/>
-        <p:cNvGrpSpPr/>
-        <p:nvPr/>
-      </p:nvGrpSpPr>
-      <p:grpSpPr>
-        <a:xfrm>
-          <a:off x="0" y="0"/>
-          <a:ext cx="0" cy="0"/>
-          <a:chOff x="0" y="0"/>
-          <a:chExt cx="0" cy="0"/>
-        </a:xfrm>
-      </p:grpSpPr>
-      <p:sp>
-        <p:nvSpPr>
-          <p:cNvPr id="2" name="Заголовок 1">
-            <a:extLst>
-              <a:ext uri="{FF2B5EF4-FFF2-40B4-BE49-F238E27FC236}">
-                <a16:creationId xmlns:a16="http://schemas.microsoft.com/office/drawing/2014/main" id="{3EF2A036-8E2D-F7BC-4BEC-28D1888B750F}"/>
-              </a:ext>
-            </a:extLst>
-          </p:cNvPr>
-          <p:cNvSpPr>
-            <a:spLocks noGrp="1"/>
-          </p:cNvSpPr>
-          <p:nvPr>
-            <p:ph type="title"/>
-          </p:nvPr>
-        </p:nvSpPr>
-        <p:spPr/>
-        <p:txBody>
-          <a:bodyPr/>
-          <a:lstStyle/>
-          <a:p>
-            <a:r>
-              <a:rPr lang="ru-RU" dirty="0"/>
-              <a:t>Исследование производительности визуализатора</a:t>
-            </a:r>
-          </a:p>
-        </p:txBody>
-      </p:sp>
-      <p:pic>
-        <p:nvPicPr>
-          <p:cNvPr id="5" name="Рисунок 4">
-            <a:extLst>
-              <a:ext uri="{FF2B5EF4-FFF2-40B4-BE49-F238E27FC236}">
-                <a16:creationId xmlns:a16="http://schemas.microsoft.com/office/drawing/2014/main" id="{8E481967-FC38-2E50-11B4-D3AF2F904BAF}"/>
-              </a:ext>
-            </a:extLst>
-          </p:cNvPr>
-          <p:cNvPicPr>
-            <a:picLocks noChangeAspect="1"/>
-          </p:cNvPicPr>
-          <p:nvPr/>
-        </p:nvPicPr>
-        <p:blipFill>
-          <a:blip r:embed="rId2">
-            <a:extLst>
-              <a:ext uri="{28A0092B-C50C-407E-A947-70E740481C1C}">
-                <a14:useLocalDpi xmlns:a14="http://schemas.microsoft.com/office/drawing/2010/main" val="0"/>
-              </a:ext>
-            </a:extLst>
-          </a:blip>
-          <a:srcRect/>
-          <a:stretch>
-            <a:fillRect/>
-          </a:stretch>
-        </p:blipFill>
-        <p:spPr bwMode="auto">
-          <a:xfrm>
-            <a:off x="1596707" y="1792604"/>
-            <a:ext cx="5799773" cy="4347737"/>
-          </a:xfrm>
-          <a:prstGeom prst="rect">
-            <a:avLst/>
-          </a:prstGeom>
-          <a:noFill/>
-          <a:ln>
-            <a:noFill/>
-          </a:ln>
-        </p:spPr>
-      </p:pic>
-    </p:spTree>
-    <p:extLst>
-      <p:ext uri="{BB962C8B-B14F-4D97-AF65-F5344CB8AC3E}">
-        <p14:creationId xmlns:p14="http://schemas.microsoft.com/office/powerpoint/2010/main" val="3385797914"/>
-      </p:ext>
-    </p:extLst>
-  </p:cSld>
-  <p:clrMapOvr>
-    <a:masterClrMapping/>
-  </p:clrMapOvr>
-</p:sld>
-</file>
-
-<file path=ppt/slides/slide13.xml><?xml version="1.0" encoding="utf-8"?>
-<p:sld xmlns:a="http://schemas.openxmlformats.org/drawingml/2006/main" xmlns:r="http://schemas.openxmlformats.org/officeDocument/2006/relationships" xmlns:p="http://schemas.openxmlformats.org/presentationml/2006/main">
-  <p:cSld>
-    <p:spTree>
-      <p:nvGrpSpPr>
-        <p:cNvPr id="1" name=""/>
-        <p:cNvGrpSpPr/>
-        <p:nvPr/>
-      </p:nvGrpSpPr>
-      <p:grpSpPr>
-        <a:xfrm>
-          <a:off x="0" y="0"/>
-          <a:ext cx="0" cy="0"/>
-          <a:chOff x="0" y="0"/>
-          <a:chExt cx="0" cy="0"/>
-        </a:xfrm>
-      </p:grpSpPr>
-      <p:sp>
-        <p:nvSpPr>
-          <p:cNvPr id="2" name="Заголовок 1">
-            <a:extLst>
-              <a:ext uri="{FF2B5EF4-FFF2-40B4-BE49-F238E27FC236}">
                 <a16:creationId xmlns:a16="http://schemas.microsoft.com/office/drawing/2014/main" id="{F4C6FE45-2B29-4952-1B15-80ECF59777A2}"/>
               </a:ext>
             </a:extLst>
@@ -4192,7 +3793,7 @@
 </p:sld>
 </file>
 
-<file path=ppt/slides/slide14.xml><?xml version="1.0" encoding="utf-8"?>
+<file path=ppt/slides/slide11.xml><?xml version="1.0" encoding="utf-8"?>
 <p:sld xmlns:a="http://schemas.openxmlformats.org/drawingml/2006/main" xmlns:r="http://schemas.openxmlformats.org/officeDocument/2006/relationships" xmlns:p="http://schemas.openxmlformats.org/presentationml/2006/main">
   <p:cSld>
     <p:spTree>
@@ -4755,7 +4356,7 @@
           <a:p>
             <a:r>
               <a:rPr lang="ru-RU" dirty="0"/>
-              <a:t>Представление </a:t>
+              <a:t>Алгоритмы построения </a:t>
             </a:r>
             <a:r>
               <a:rPr lang="en-US" dirty="0"/>
@@ -4763,7 +4364,7 @@
             </a:r>
             <a:r>
               <a:rPr lang="ru-RU" dirty="0"/>
-              <a:t>сцены</a:t>
+              <a:t>моделей</a:t>
             </a:r>
           </a:p>
         </p:txBody>
@@ -4790,8 +4391,262 @@
         </p:blipFill>
         <p:spPr>
           <a:xfrm>
-            <a:off x="2679123" y="2318182"/>
-            <a:ext cx="6667500" cy="3514725"/>
+            <a:off x="7334038" y="2568864"/>
+            <a:ext cx="4312442" cy="2273273"/>
+          </a:xfrm>
+          <a:prstGeom prst="rect">
+            <a:avLst/>
+          </a:prstGeom>
+        </p:spPr>
+      </p:pic>
+      <p:sp>
+        <p:nvSpPr>
+          <p:cNvPr id="3" name="Объект 2">
+            <a:extLst>
+              <a:ext uri="{FF2B5EF4-FFF2-40B4-BE49-F238E27FC236}">
+                <a16:creationId xmlns:a16="http://schemas.microsoft.com/office/drawing/2014/main" id="{D6F2DA42-A69D-363A-9372-4856C372B614}"/>
+              </a:ext>
+            </a:extLst>
+          </p:cNvPr>
+          <p:cNvSpPr>
+            <a:spLocks noGrp="1"/>
+          </p:cNvSpPr>
+          <p:nvPr>
+            <p:ph idx="1"/>
+          </p:nvPr>
+        </p:nvSpPr>
+        <p:spPr>
+          <a:xfrm>
+            <a:off x="838200" y="1825625"/>
+            <a:ext cx="10515600" cy="4351338"/>
+          </a:xfrm>
+        </p:spPr>
+        <p:txBody>
+          <a:bodyPr/>
+          <a:lstStyle/>
+          <a:p>
+            <a:r>
+              <a:rPr lang="ru-RU" dirty="0"/>
+              <a:t>Разбиение по линии пересечения</a:t>
+            </a:r>
+          </a:p>
+          <a:p>
+            <a:r>
+              <a:rPr lang="ru-RU" dirty="0"/>
+              <a:t>Слияние </a:t>
+            </a:r>
+            <a:r>
+              <a:rPr lang="en-US" dirty="0"/>
+              <a:t>BSP-</a:t>
+            </a:r>
+            <a:r>
+              <a:rPr lang="ru-RU" dirty="0"/>
+              <a:t>деревьев</a:t>
+            </a:r>
+          </a:p>
+        </p:txBody>
+      </p:sp>
+      <p:sp>
+        <p:nvSpPr>
+          <p:cNvPr id="6" name="TextBox 5">
+            <a:extLst>
+              <a:ext uri="{FF2B5EF4-FFF2-40B4-BE49-F238E27FC236}">
+                <a16:creationId xmlns:a16="http://schemas.microsoft.com/office/drawing/2014/main" id="{75D52591-D035-F185-461A-805920081AD9}"/>
+              </a:ext>
+            </a:extLst>
+          </p:cNvPr>
+          <p:cNvSpPr txBox="1"/>
+          <p:nvPr/>
+        </p:nvSpPr>
+        <p:spPr>
+          <a:xfrm>
+            <a:off x="8525055" y="4863681"/>
+            <a:ext cx="2257964" cy="369332"/>
+          </a:xfrm>
+          <a:prstGeom prst="rect">
+            <a:avLst/>
+          </a:prstGeom>
+          <a:noFill/>
+        </p:spPr>
+        <p:txBody>
+          <a:bodyPr wrap="square">
+            <a:spAutoFit/>
+          </a:bodyPr>
+          <a:lstStyle/>
+          <a:p>
+            <a:r>
+              <a:rPr lang="ru-RU" dirty="0"/>
+              <a:t>Структура </a:t>
+            </a:r>
+            <a:r>
+              <a:rPr lang="en-US" dirty="0"/>
+              <a:t>CSG </a:t>
+            </a:r>
+            <a:r>
+              <a:rPr lang="ru-RU" dirty="0"/>
+              <a:t>сцены</a:t>
+            </a:r>
+          </a:p>
+        </p:txBody>
+      </p:sp>
+      <p:pic>
+        <p:nvPicPr>
+          <p:cNvPr id="7" name="Рисунок 6">
+            <a:extLst>
+              <a:ext uri="{FF2B5EF4-FFF2-40B4-BE49-F238E27FC236}">
+                <a16:creationId xmlns:a16="http://schemas.microsoft.com/office/drawing/2014/main" id="{01478249-314F-40D9-22D0-DB3E2F45674A}"/>
+              </a:ext>
+            </a:extLst>
+          </p:cNvPr>
+          <p:cNvPicPr>
+            <a:picLocks noChangeAspect="1"/>
+          </p:cNvPicPr>
+          <p:nvPr/>
+        </p:nvPicPr>
+        <p:blipFill>
+          <a:blip r:embed="rId3"/>
+          <a:stretch>
+            <a:fillRect/>
+          </a:stretch>
+        </p:blipFill>
+        <p:spPr>
+          <a:xfrm>
+            <a:off x="4008471" y="3028322"/>
+            <a:ext cx="2779203" cy="1449791"/>
+          </a:xfrm>
+          <a:prstGeom prst="rect">
+            <a:avLst/>
+          </a:prstGeom>
+        </p:spPr>
+      </p:pic>
+      <p:pic>
+        <p:nvPicPr>
+          <p:cNvPr id="8" name="Рисунок 7">
+            <a:extLst>
+              <a:ext uri="{FF2B5EF4-FFF2-40B4-BE49-F238E27FC236}">
+                <a16:creationId xmlns:a16="http://schemas.microsoft.com/office/drawing/2014/main" id="{6E51FFA5-6637-C35F-AC16-D3EAF86EC324}"/>
+              </a:ext>
+            </a:extLst>
+          </p:cNvPr>
+          <p:cNvPicPr>
+            <a:picLocks noChangeAspect="1"/>
+          </p:cNvPicPr>
+          <p:nvPr/>
+        </p:nvPicPr>
+        <p:blipFill>
+          <a:blip r:embed="rId4"/>
+          <a:stretch>
+            <a:fillRect/>
+          </a:stretch>
+        </p:blipFill>
+        <p:spPr>
+          <a:xfrm>
+            <a:off x="370313" y="3030975"/>
+            <a:ext cx="3345478" cy="1444483"/>
+          </a:xfrm>
+          <a:prstGeom prst="rect">
+            <a:avLst/>
+          </a:prstGeom>
+        </p:spPr>
+      </p:pic>
+      <p:sp>
+        <p:nvSpPr>
+          <p:cNvPr id="9" name="TextBox 8">
+            <a:extLst>
+              <a:ext uri="{FF2B5EF4-FFF2-40B4-BE49-F238E27FC236}">
+                <a16:creationId xmlns:a16="http://schemas.microsoft.com/office/drawing/2014/main" id="{CA9393AF-DC51-4406-1DCC-D7C3DC865B4B}"/>
+              </a:ext>
+            </a:extLst>
+          </p:cNvPr>
+          <p:cNvSpPr txBox="1"/>
+          <p:nvPr/>
+        </p:nvSpPr>
+        <p:spPr>
+          <a:xfrm>
+            <a:off x="1101427" y="4433427"/>
+            <a:ext cx="2257964" cy="369332"/>
+          </a:xfrm>
+          <a:prstGeom prst="rect">
+            <a:avLst/>
+          </a:prstGeom>
+          <a:noFill/>
+        </p:spPr>
+        <p:txBody>
+          <a:bodyPr wrap="square">
+            <a:spAutoFit/>
+          </a:bodyPr>
+          <a:lstStyle/>
+          <a:p>
+            <a:r>
+              <a:rPr lang="ru-RU" dirty="0"/>
+              <a:t>Разбиение</a:t>
+            </a:r>
+          </a:p>
+        </p:txBody>
+      </p:sp>
+      <p:sp>
+        <p:nvSpPr>
+          <p:cNvPr id="10" name="TextBox 9">
+            <a:extLst>
+              <a:ext uri="{FF2B5EF4-FFF2-40B4-BE49-F238E27FC236}">
+                <a16:creationId xmlns:a16="http://schemas.microsoft.com/office/drawing/2014/main" id="{72998D18-0267-008B-3734-7F814F420772}"/>
+              </a:ext>
+            </a:extLst>
+          </p:cNvPr>
+          <p:cNvSpPr txBox="1"/>
+          <p:nvPr/>
+        </p:nvSpPr>
+        <p:spPr>
+          <a:xfrm>
+            <a:off x="4529710" y="4472805"/>
+            <a:ext cx="2257964" cy="369332"/>
+          </a:xfrm>
+          <a:prstGeom prst="rect">
+            <a:avLst/>
+          </a:prstGeom>
+          <a:noFill/>
+        </p:spPr>
+        <p:txBody>
+          <a:bodyPr wrap="square">
+            <a:spAutoFit/>
+          </a:bodyPr>
+          <a:lstStyle/>
+          <a:p>
+            <a:r>
+              <a:rPr lang="en-US" dirty="0"/>
+              <a:t>BSP</a:t>
+            </a:r>
+            <a:r>
+              <a:rPr lang="ru-RU" dirty="0"/>
+              <a:t>-дерево</a:t>
+            </a:r>
+          </a:p>
+        </p:txBody>
+      </p:sp>
+      <p:pic>
+        <p:nvPicPr>
+          <p:cNvPr id="12" name="Рисунок 11">
+            <a:extLst>
+              <a:ext uri="{FF2B5EF4-FFF2-40B4-BE49-F238E27FC236}">
+                <a16:creationId xmlns:a16="http://schemas.microsoft.com/office/drawing/2014/main" id="{135CB792-E4F8-1174-5C14-7B299F8007D9}"/>
+              </a:ext>
+            </a:extLst>
+          </p:cNvPr>
+          <p:cNvPicPr>
+            <a:picLocks noChangeAspect="1"/>
+          </p:cNvPicPr>
+          <p:nvPr/>
+        </p:nvPicPr>
+        <p:blipFill>
+          <a:blip r:embed="rId5"/>
+          <a:stretch>
+            <a:fillRect/>
+          </a:stretch>
+        </p:blipFill>
+        <p:spPr>
+          <a:xfrm>
+            <a:off x="928602" y="4924348"/>
+            <a:ext cx="4861578" cy="1512919"/>
           </a:xfrm>
           <a:prstGeom prst="rect">
             <a:avLst/>
@@ -4833,7 +4688,7 @@
           <p:cNvPr id="2" name="Заголовок 1">
             <a:extLst>
               <a:ext uri="{FF2B5EF4-FFF2-40B4-BE49-F238E27FC236}">
-                <a16:creationId xmlns:a16="http://schemas.microsoft.com/office/drawing/2014/main" id="{D44D68FB-6DC4-E9E9-4663-326B40AA7A64}"/>
+                <a16:creationId xmlns:a16="http://schemas.microsoft.com/office/drawing/2014/main" id="{A88B9457-1745-4869-F623-C066E64CD182}"/>
               </a:ext>
             </a:extLst>
           </p:cNvPr>
@@ -4851,57 +4706,57 @@
           <a:p>
             <a:r>
               <a:rPr lang="ru-RU" dirty="0"/>
-              <a:t>Алгоритмы построения </a:t>
-            </a:r>
+              <a:t>Алгоритмы удаления невидимых линий и поверхностей</a:t>
+            </a:r>
+          </a:p>
+        </p:txBody>
+      </p:sp>
+      <p:sp>
+        <p:nvSpPr>
+          <p:cNvPr id="3" name="Объект 2">
+            <a:extLst>
+              <a:ext uri="{FF2B5EF4-FFF2-40B4-BE49-F238E27FC236}">
+                <a16:creationId xmlns:a16="http://schemas.microsoft.com/office/drawing/2014/main" id="{AF84E3F0-B076-E48A-EEE8-71F92A4E864A}"/>
+              </a:ext>
+            </a:extLst>
+          </p:cNvPr>
+          <p:cNvSpPr>
+            <a:spLocks noGrp="1"/>
+          </p:cNvSpPr>
+          <p:nvPr>
+            <p:ph idx="1"/>
+          </p:nvPr>
+        </p:nvSpPr>
+        <p:spPr/>
+        <p:txBody>
+          <a:bodyPr/>
+          <a:lstStyle/>
+          <a:p>
+            <a:r>
+              <a:rPr lang="ru-RU" dirty="0"/>
+              <a:t>Алгоритм Робертса</a:t>
+            </a:r>
+          </a:p>
+          <a:p>
+            <a:r>
+              <a:rPr lang="ru-RU" dirty="0"/>
+              <a:t>Алгоритм Варнока</a:t>
+            </a:r>
+          </a:p>
+          <a:p>
             <a:r>
               <a:rPr lang="en-US" dirty="0"/>
-              <a:t>CSG </a:t>
+              <a:t>Z-</a:t>
             </a:r>
             <a:r>
               <a:rPr lang="ru-RU" dirty="0"/>
-              <a:t>моделей</a:t>
-            </a:r>
-          </a:p>
-        </p:txBody>
-      </p:sp>
-      <p:sp>
-        <p:nvSpPr>
-          <p:cNvPr id="3" name="Объект 2">
-            <a:extLst>
-              <a:ext uri="{FF2B5EF4-FFF2-40B4-BE49-F238E27FC236}">
-                <a16:creationId xmlns:a16="http://schemas.microsoft.com/office/drawing/2014/main" id="{680BE0C2-B71D-F578-1A44-C4CB42428A89}"/>
-              </a:ext>
-            </a:extLst>
-          </p:cNvPr>
-          <p:cNvSpPr>
-            <a:spLocks noGrp="1"/>
-          </p:cNvSpPr>
-          <p:nvPr>
-            <p:ph idx="1"/>
-          </p:nvPr>
-        </p:nvSpPr>
-        <p:spPr/>
-        <p:txBody>
-          <a:bodyPr/>
-          <a:lstStyle/>
+              <a:t>буфер</a:t>
+            </a:r>
+          </a:p>
           <a:p>
             <a:r>
               <a:rPr lang="ru-RU" dirty="0"/>
-              <a:t>Разбиение по линии пересечения</a:t>
-            </a:r>
-          </a:p>
-          <a:p>
-            <a:r>
-              <a:rPr lang="ru-RU" dirty="0"/>
-              <a:t>Слияние </a:t>
-            </a:r>
-            <a:r>
-              <a:rPr lang="en-US" dirty="0"/>
-              <a:t>BSP-</a:t>
-            </a:r>
-            <a:r>
-              <a:rPr lang="ru-RU" dirty="0"/>
-              <a:t>деревьев</a:t>
+              <a:t>Обратная трассировка лучей</a:t>
             </a:r>
           </a:p>
         </p:txBody>
@@ -4911,7 +4766,7 @@
           <p:cNvPr id="5" name="Рисунок 4">
             <a:extLst>
               <a:ext uri="{FF2B5EF4-FFF2-40B4-BE49-F238E27FC236}">
-                <a16:creationId xmlns:a16="http://schemas.microsoft.com/office/drawing/2014/main" id="{281067F7-8540-54EA-285F-60279E7CBEC1}"/>
+                <a16:creationId xmlns:a16="http://schemas.microsoft.com/office/drawing/2014/main" id="{0A474FA9-AEA5-1E8C-4421-F81C08C47C3A}"/>
               </a:ext>
             </a:extLst>
           </p:cNvPr>
@@ -4928,8 +4783,8 @@
         </p:blipFill>
         <p:spPr>
           <a:xfrm>
-            <a:off x="8081818" y="1690688"/>
-            <a:ext cx="3345478" cy="1444483"/>
+            <a:off x="6431029" y="1563621"/>
+            <a:ext cx="2336991" cy="1918925"/>
           </a:xfrm>
           <a:prstGeom prst="rect">
             <a:avLst/>
@@ -4941,7 +4796,7 @@
           <p:cNvPr id="7" name="Рисунок 6">
             <a:extLst>
               <a:ext uri="{FF2B5EF4-FFF2-40B4-BE49-F238E27FC236}">
-                <a16:creationId xmlns:a16="http://schemas.microsoft.com/office/drawing/2014/main" id="{6CC5F6D2-530C-4873-1AB2-F53440D94675}"/>
+                <a16:creationId xmlns:a16="http://schemas.microsoft.com/office/drawing/2014/main" id="{C1453DE1-29BC-448D-2990-840584B0547F}"/>
               </a:ext>
             </a:extLst>
           </p:cNvPr>
@@ -4958,283 +4813,108 @@
         </p:blipFill>
         <p:spPr>
           <a:xfrm>
-            <a:off x="8201891" y="3693596"/>
-            <a:ext cx="3606458" cy="1881335"/>
+            <a:off x="9212727" y="3956088"/>
+            <a:ext cx="2478445" cy="1803138"/>
           </a:xfrm>
           <a:prstGeom prst="rect">
             <a:avLst/>
           </a:prstGeom>
         </p:spPr>
       </p:pic>
-      <p:graphicFrame>
-        <p:nvGraphicFramePr>
-          <p:cNvPr id="8" name="Таблица 7">
-            <a:extLst>
-              <a:ext uri="{FF2B5EF4-FFF2-40B4-BE49-F238E27FC236}">
-                <a16:creationId xmlns:a16="http://schemas.microsoft.com/office/drawing/2014/main" id="{8328678F-A149-BE7B-699D-A9FA779745CB}"/>
-              </a:ext>
-            </a:extLst>
-          </p:cNvPr>
-          <p:cNvGraphicFramePr>
-            <a:graphicFrameLocks noGrp="1"/>
-          </p:cNvGraphicFramePr>
-          <p:nvPr>
-            <p:extLst>
-              <p:ext uri="{D42A27DB-BD31-4B8C-83A1-F6EECF244321}">
-                <p14:modId xmlns:p14="http://schemas.microsoft.com/office/powerpoint/2010/main" val="3798799518"/>
-              </p:ext>
-            </p:extLst>
-          </p:nvPr>
-        </p:nvGraphicFramePr>
-        <p:xfrm>
-          <a:off x="559245" y="2872987"/>
-          <a:ext cx="7569150" cy="3566160"/>
-        </p:xfrm>
-        <a:graphic>
-          <a:graphicData uri="http://schemas.openxmlformats.org/drawingml/2006/table">
-            <a:tbl>
-              <a:tblPr firstRow="1" bandRow="1">
-                <a:tableStyleId>{5C22544A-7EE6-4342-B048-85BDC9FD1C3A}</a:tableStyleId>
-              </a:tblPr>
-              <a:tblGrid>
-                <a:gridCol w="1822671">
-                  <a:extLst>
-                    <a:ext uri="{9D8B030D-6E8A-4147-A177-3AD203B41FA5}">
-                      <a16:colId xmlns:a16="http://schemas.microsoft.com/office/drawing/2014/main" val="3789474947"/>
-                    </a:ext>
-                  </a:extLst>
-                </a:gridCol>
-                <a:gridCol w="3751922">
-                  <a:extLst>
-                    <a:ext uri="{9D8B030D-6E8A-4147-A177-3AD203B41FA5}">
-                      <a16:colId xmlns:a16="http://schemas.microsoft.com/office/drawing/2014/main" val="2892781999"/>
-                    </a:ext>
-                  </a:extLst>
-                </a:gridCol>
-                <a:gridCol w="1994557">
-                  <a:extLst>
-                    <a:ext uri="{9D8B030D-6E8A-4147-A177-3AD203B41FA5}">
-                      <a16:colId xmlns:a16="http://schemas.microsoft.com/office/drawing/2014/main" val="4196277409"/>
-                    </a:ext>
-                  </a:extLst>
-                </a:gridCol>
-              </a:tblGrid>
-              <a:tr h="297554">
-                <a:tc>
-                  <a:txBody>
-                    <a:bodyPr/>
-                    <a:lstStyle/>
-                    <a:p>
-                      <a:r>
-                        <a:rPr lang="ru-RU" dirty="0"/>
-                        <a:t>Алгоритм</a:t>
-                      </a:r>
-                    </a:p>
-                  </a:txBody>
-                  <a:tcPr/>
-                </a:tc>
-                <a:tc>
-                  <a:txBody>
-                    <a:bodyPr/>
-                    <a:lstStyle/>
-                    <a:p>
-                      <a:r>
-                        <a:rPr lang="ru-RU" dirty="0"/>
-                        <a:t>Плюсы</a:t>
-                      </a:r>
-                    </a:p>
-                  </a:txBody>
-                  <a:tcPr/>
-                </a:tc>
-                <a:tc>
-                  <a:txBody>
-                    <a:bodyPr/>
-                    <a:lstStyle/>
-                    <a:p>
-                      <a:r>
-                        <a:rPr lang="ru-RU" dirty="0"/>
-                        <a:t>Минусы</a:t>
-                      </a:r>
-                    </a:p>
-                  </a:txBody>
-                  <a:tcPr/>
-                </a:tc>
-                <a:extLst>
-                  <a:ext uri="{0D108BD9-81ED-4DB2-BD59-A6C34878D82A}">
-                    <a16:rowId xmlns:a16="http://schemas.microsoft.com/office/drawing/2014/main" val="2610473100"/>
-                  </a:ext>
-                </a:extLst>
-              </a:tr>
-              <a:tr h="1227883">
-                <a:tc>
-                  <a:txBody>
-                    <a:bodyPr/>
-                    <a:lstStyle/>
-                    <a:p>
-                      <a:r>
-                        <a:rPr lang="ru-RU" dirty="0"/>
-                        <a:t>Разбиение</a:t>
-                      </a:r>
-                    </a:p>
-                  </a:txBody>
-                  <a:tcPr/>
-                </a:tc>
-                <a:tc>
-                  <a:txBody>
-                    <a:bodyPr/>
-                    <a:lstStyle/>
-                    <a:p>
-                      <a:pPr marL="285750" indent="-285750">
-                        <a:buFont typeface="Arial" panose="020B0604020202020204" pitchFamily="34" charset="0"/>
-                        <a:buChar char="•"/>
-                      </a:pPr>
-                      <a:r>
-                        <a:rPr lang="ru-RU" dirty="0"/>
-                        <a:t>Низкое потребление памяти</a:t>
-                      </a:r>
-                    </a:p>
-                    <a:p>
-                      <a:pPr marL="285750" indent="-285750">
-                        <a:buFont typeface="Arial" panose="020B0604020202020204" pitchFamily="34" charset="0"/>
-                        <a:buChar char="•"/>
-                      </a:pPr>
-                      <a:r>
-                        <a:rPr lang="ru-RU" dirty="0"/>
-                        <a:t>На выходе триангулированная модель</a:t>
-                      </a:r>
-                    </a:p>
-                  </a:txBody>
-                  <a:tcPr/>
-                </a:tc>
-                <a:tc>
-                  <a:txBody>
-                    <a:bodyPr/>
-                    <a:lstStyle/>
-                    <a:p>
-                      <a:pPr marL="285750" indent="-285750">
-                        <a:buFont typeface="Arial" panose="020B0604020202020204" pitchFamily="34" charset="0"/>
-                        <a:buChar char="•"/>
-                      </a:pPr>
-                      <a:r>
-                        <a:rPr lang="ru-RU" dirty="0"/>
-                        <a:t>Работает только с </a:t>
-                      </a:r>
-                      <a:r>
-                        <a:rPr lang="ru-RU" dirty="0" err="1"/>
-                        <a:t>трисами</a:t>
-                      </a:r>
-                      <a:endParaRPr lang="ru-RU" dirty="0"/>
-                    </a:p>
-                    <a:p>
-                      <a:pPr marL="285750" indent="-285750">
-                        <a:buFont typeface="Arial" panose="020B0604020202020204" pitchFamily="34" charset="0"/>
-                        <a:buChar char="•"/>
-                      </a:pPr>
-                      <a:r>
-                        <a:rPr lang="ru-RU" dirty="0"/>
-                        <a:t>Трудоёмкие вычисления</a:t>
-                      </a:r>
-                    </a:p>
-                  </a:txBody>
-                  <a:tcPr/>
-                </a:tc>
-                <a:extLst>
-                  <a:ext uri="{0D108BD9-81ED-4DB2-BD59-A6C34878D82A}">
-                    <a16:rowId xmlns:a16="http://schemas.microsoft.com/office/drawing/2014/main" val="1964839283"/>
-                  </a:ext>
-                </a:extLst>
-              </a:tr>
-              <a:tr h="1636547">
-                <a:tc>
-                  <a:txBody>
-                    <a:bodyPr/>
-                    <a:lstStyle/>
-                    <a:p>
-                      <a:r>
-                        <a:rPr lang="en-US" dirty="0"/>
-                        <a:t>BSP</a:t>
-                      </a:r>
-                      <a:endParaRPr lang="ru-RU" dirty="0"/>
-                    </a:p>
-                  </a:txBody>
-                  <a:tcPr/>
-                </a:tc>
-                <a:tc>
-                  <a:txBody>
-                    <a:bodyPr/>
-                    <a:lstStyle/>
-                    <a:p>
-                      <a:pPr marL="285750" indent="-285750">
-                        <a:buFont typeface="Arial" panose="020B0604020202020204" pitchFamily="34" charset="0"/>
-                        <a:buChar char="•"/>
-                      </a:pPr>
-                      <a:r>
-                        <a:rPr lang="ru-RU" dirty="0"/>
-                        <a:t>Простые вычисления</a:t>
-                      </a:r>
-                    </a:p>
-                    <a:p>
-                      <a:pPr marL="285750" indent="-285750">
-                        <a:buFont typeface="Arial" panose="020B0604020202020204" pitchFamily="34" charset="0"/>
-                        <a:buChar char="•"/>
-                      </a:pPr>
-                      <a:r>
-                        <a:rPr lang="ru-RU" dirty="0"/>
-                        <a:t>Работает с любыми полигонами</a:t>
-                      </a:r>
-                    </a:p>
-                  </a:txBody>
-                  <a:tcPr/>
-                </a:tc>
-                <a:tc>
-                  <a:txBody>
-                    <a:bodyPr/>
-                    <a:lstStyle/>
-                    <a:p>
-                      <a:pPr marL="285750" indent="-285750">
-                        <a:buFont typeface="Arial" panose="020B0604020202020204" pitchFamily="34" charset="0"/>
-                        <a:buChar char="•"/>
-                      </a:pPr>
-                      <a:r>
-                        <a:rPr lang="ru-RU" dirty="0"/>
-                        <a:t>Высокое потребление памяти</a:t>
-                      </a:r>
-                    </a:p>
-                    <a:p>
-                      <a:pPr marL="285750" indent="-285750">
-                        <a:buFont typeface="Arial" panose="020B0604020202020204" pitchFamily="34" charset="0"/>
-                        <a:buChar char="•"/>
-                      </a:pPr>
-                      <a:r>
-                        <a:rPr lang="ru-RU" dirty="0"/>
-                        <a:t>На выходе </a:t>
-                      </a:r>
-                      <a:r>
-                        <a:rPr lang="ru-RU" dirty="0" err="1"/>
-                        <a:t>нетриангулированная</a:t>
-                      </a:r>
-                      <a:r>
-                        <a:rPr lang="ru-RU" dirty="0"/>
-                        <a:t> модель</a:t>
-                      </a:r>
-                    </a:p>
-                  </a:txBody>
-                  <a:tcPr/>
-                </a:tc>
-                <a:extLst>
-                  <a:ext uri="{0D108BD9-81ED-4DB2-BD59-A6C34878D82A}">
-                    <a16:rowId xmlns:a16="http://schemas.microsoft.com/office/drawing/2014/main" val="114998144"/>
-                  </a:ext>
-                </a:extLst>
-              </a:tr>
-            </a:tbl>
-          </a:graphicData>
-        </a:graphic>
-      </p:graphicFrame>
+      <p:pic>
+        <p:nvPicPr>
+          <p:cNvPr id="9" name="Рисунок 8">
+            <a:extLst>
+              <a:ext uri="{FF2B5EF4-FFF2-40B4-BE49-F238E27FC236}">
+                <a16:creationId xmlns:a16="http://schemas.microsoft.com/office/drawing/2014/main" id="{2D6623D4-D77D-2BE0-6CD0-02EF460C9C3A}"/>
+              </a:ext>
+            </a:extLst>
+          </p:cNvPr>
+          <p:cNvPicPr>
+            <a:picLocks noChangeAspect="1"/>
+          </p:cNvPicPr>
+          <p:nvPr/>
+        </p:nvPicPr>
+        <p:blipFill>
+          <a:blip r:embed="rId4"/>
+          <a:stretch>
+            <a:fillRect/>
+          </a:stretch>
+        </p:blipFill>
+        <p:spPr>
+          <a:xfrm>
+            <a:off x="8998059" y="1593669"/>
+            <a:ext cx="2693113" cy="1918926"/>
+          </a:xfrm>
+          <a:prstGeom prst="rect">
+            <a:avLst/>
+          </a:prstGeom>
+        </p:spPr>
+      </p:pic>
+      <p:pic>
+        <p:nvPicPr>
+          <p:cNvPr id="11" name="Рисунок 10">
+            <a:extLst>
+              <a:ext uri="{FF2B5EF4-FFF2-40B4-BE49-F238E27FC236}">
+                <a16:creationId xmlns:a16="http://schemas.microsoft.com/office/drawing/2014/main" id="{BFA2D6F0-92F4-20BC-7DFD-3ED1753AC202}"/>
+              </a:ext>
+            </a:extLst>
+          </p:cNvPr>
+          <p:cNvPicPr>
+            <a:picLocks noChangeAspect="1"/>
+          </p:cNvPicPr>
+          <p:nvPr/>
+        </p:nvPicPr>
+        <p:blipFill>
+          <a:blip r:embed="rId5"/>
+          <a:stretch>
+            <a:fillRect/>
+          </a:stretch>
+        </p:blipFill>
+        <p:spPr>
+          <a:xfrm>
+            <a:off x="6431029" y="4091841"/>
+            <a:ext cx="2545562" cy="1542765"/>
+          </a:xfrm>
+          <a:prstGeom prst="rect">
+            <a:avLst/>
+          </a:prstGeom>
+        </p:spPr>
+      </p:pic>
+      <p:pic>
+        <p:nvPicPr>
+          <p:cNvPr id="8" name="Рисунок 7">
+            <a:extLst>
+              <a:ext uri="{FF2B5EF4-FFF2-40B4-BE49-F238E27FC236}">
+                <a16:creationId xmlns:a16="http://schemas.microsoft.com/office/drawing/2014/main" id="{E8F0D948-DEB2-B464-0839-8B08699CECC7}"/>
+              </a:ext>
+            </a:extLst>
+          </p:cNvPr>
+          <p:cNvPicPr>
+            <a:picLocks noChangeAspect="1"/>
+          </p:cNvPicPr>
+          <p:nvPr/>
+        </p:nvPicPr>
+        <p:blipFill>
+          <a:blip r:embed="rId6"/>
+          <a:stretch>
+            <a:fillRect/>
+          </a:stretch>
+        </p:blipFill>
+        <p:spPr>
+          <a:xfrm>
+            <a:off x="723548" y="3890008"/>
+            <a:ext cx="5268873" cy="2421892"/>
+          </a:xfrm>
+          <a:prstGeom prst="rect">
+            <a:avLst/>
+          </a:prstGeom>
+        </p:spPr>
+      </p:pic>
     </p:spTree>
     <p:extLst>
       <p:ext uri="{BB962C8B-B14F-4D97-AF65-F5344CB8AC3E}">
-        <p14:creationId xmlns:p14="http://schemas.microsoft.com/office/powerpoint/2010/main" val="4065678845"/>
+        <p14:creationId xmlns:p14="http://schemas.microsoft.com/office/powerpoint/2010/main" val="958741922"/>
       </p:ext>
     </p:extLst>
   </p:cSld>
@@ -5266,7 +4946,7 @@
           <p:cNvPr id="2" name="Заголовок 1">
             <a:extLst>
               <a:ext uri="{FF2B5EF4-FFF2-40B4-BE49-F238E27FC236}">
-                <a16:creationId xmlns:a16="http://schemas.microsoft.com/office/drawing/2014/main" id="{A88B9457-1745-4869-F623-C066E64CD182}"/>
+                <a16:creationId xmlns:a16="http://schemas.microsoft.com/office/drawing/2014/main" id="{A88796A0-8409-E842-6983-A89843F942FC}"/>
               </a:ext>
             </a:extLst>
           </p:cNvPr>
@@ -5284,7 +4964,7 @@
           <a:p>
             <a:r>
               <a:rPr lang="ru-RU" dirty="0"/>
-              <a:t>Алгоритмы удаления невидимых линий и поверхностей</a:t>
+              <a:t>Алгоритмы закраски</a:t>
             </a:r>
           </a:p>
         </p:txBody>
@@ -5294,7 +4974,7 @@
           <p:cNvPr id="3" name="Объект 2">
             <a:extLst>
               <a:ext uri="{FF2B5EF4-FFF2-40B4-BE49-F238E27FC236}">
-                <a16:creationId xmlns:a16="http://schemas.microsoft.com/office/drawing/2014/main" id="{AF84E3F0-B076-E48A-EEE8-71F92A4E864A}"/>
+                <a16:creationId xmlns:a16="http://schemas.microsoft.com/office/drawing/2014/main" id="{1F4BADD3-D37F-2805-A17D-DF2D9D9F3B04}"/>
               </a:ext>
             </a:extLst>
           </p:cNvPr>
@@ -5312,29 +4992,19 @@
           <a:p>
             <a:r>
               <a:rPr lang="ru-RU" dirty="0"/>
-              <a:t>Алгоритм Робертса</a:t>
+              <a:t>Простая закраска</a:t>
             </a:r>
           </a:p>
           <a:p>
             <a:r>
               <a:rPr lang="ru-RU" dirty="0"/>
-              <a:t>Алгоритм Варнока</a:t>
-            </a:r>
-          </a:p>
-          <a:p>
-            <a:r>
-              <a:rPr lang="en-US" dirty="0"/>
-              <a:t>Z-</a:t>
-            </a:r>
+              <a:t>Закраска по Гуро</a:t>
+            </a:r>
+          </a:p>
+          <a:p>
             <a:r>
               <a:rPr lang="ru-RU" dirty="0"/>
-              <a:t>буфер</a:t>
-            </a:r>
-          </a:p>
-          <a:p>
-            <a:r>
-              <a:rPr lang="ru-RU" dirty="0"/>
-              <a:t>Обратная трассировка лучей</a:t>
+              <a:t>Закраска по Фонгу</a:t>
             </a:r>
           </a:p>
         </p:txBody>
@@ -5344,7 +5014,7 @@
           <p:cNvPr id="5" name="Рисунок 4">
             <a:extLst>
               <a:ext uri="{FF2B5EF4-FFF2-40B4-BE49-F238E27FC236}">
-                <a16:creationId xmlns:a16="http://schemas.microsoft.com/office/drawing/2014/main" id="{0A474FA9-AEA5-1E8C-4421-F81C08C47C3A}"/>
+                <a16:creationId xmlns:a16="http://schemas.microsoft.com/office/drawing/2014/main" id="{93A7DC0D-4A8D-0E6D-E465-9944AA1AACFF}"/>
               </a:ext>
             </a:extLst>
           </p:cNvPr>
@@ -5361,8 +5031,8 @@
         </p:blipFill>
         <p:spPr>
           <a:xfrm>
-            <a:off x="8054110" y="1397000"/>
-            <a:ext cx="2662608" cy="2186292"/>
+            <a:off x="7866034" y="1013027"/>
+            <a:ext cx="2266747" cy="1468735"/>
           </a:xfrm>
           <a:prstGeom prst="rect">
             <a:avLst/>
@@ -5374,7 +5044,7 @@
           <p:cNvPr id="7" name="Рисунок 6">
             <a:extLst>
               <a:ext uri="{FF2B5EF4-FFF2-40B4-BE49-F238E27FC236}">
-                <a16:creationId xmlns:a16="http://schemas.microsoft.com/office/drawing/2014/main" id="{C1453DE1-29BC-448D-2990-840584B0547F}"/>
+                <a16:creationId xmlns:a16="http://schemas.microsoft.com/office/drawing/2014/main" id="{DC2C3652-3917-8B75-FB44-3AB1B88EE3EA}"/>
               </a:ext>
             </a:extLst>
           </p:cNvPr>
@@ -5391,8 +5061,8 @@
         </p:blipFill>
         <p:spPr>
           <a:xfrm>
-            <a:off x="838200" y="4001294"/>
-            <a:ext cx="3391373" cy="2467319"/>
+            <a:off x="7866034" y="2803921"/>
+            <a:ext cx="2277940" cy="1468735"/>
           </a:xfrm>
           <a:prstGeom prst="rect">
             <a:avLst/>
@@ -5404,7 +5074,7 @@
           <p:cNvPr id="9" name="Рисунок 8">
             <a:extLst>
               <a:ext uri="{FF2B5EF4-FFF2-40B4-BE49-F238E27FC236}">
-                <a16:creationId xmlns:a16="http://schemas.microsoft.com/office/drawing/2014/main" id="{2D6623D4-D77D-2BE0-6CD0-02EF460C9C3A}"/>
+                <a16:creationId xmlns:a16="http://schemas.microsoft.com/office/drawing/2014/main" id="{1529CB8F-9F09-1E33-6057-7384F8A6D92A}"/>
               </a:ext>
             </a:extLst>
           </p:cNvPr>
@@ -5421,20 +5091,125 @@
         </p:blipFill>
         <p:spPr>
           <a:xfrm>
-            <a:off x="4591501" y="4001294"/>
-            <a:ext cx="3877216" cy="2762636"/>
+            <a:off x="7866034" y="4605395"/>
+            <a:ext cx="2266748" cy="1468735"/>
           </a:xfrm>
           <a:prstGeom prst="rect">
             <a:avLst/>
           </a:prstGeom>
         </p:spPr>
       </p:pic>
+      <p:sp>
+        <p:nvSpPr>
+          <p:cNvPr id="4" name="TextBox 3">
+            <a:extLst>
+              <a:ext uri="{FF2B5EF4-FFF2-40B4-BE49-F238E27FC236}">
+                <a16:creationId xmlns:a16="http://schemas.microsoft.com/office/drawing/2014/main" id="{6DB6895C-355F-9FB7-1E10-E738AAE912AD}"/>
+              </a:ext>
+            </a:extLst>
+          </p:cNvPr>
+          <p:cNvSpPr txBox="1"/>
+          <p:nvPr/>
+        </p:nvSpPr>
+        <p:spPr>
+          <a:xfrm>
+            <a:off x="8243634" y="2434392"/>
+            <a:ext cx="1511545" cy="307777"/>
+          </a:xfrm>
+          <a:prstGeom prst="rect">
+            <a:avLst/>
+          </a:prstGeom>
+          <a:noFill/>
+        </p:spPr>
+        <p:txBody>
+          <a:bodyPr wrap="square" rtlCol="0">
+            <a:spAutoFit/>
+          </a:bodyPr>
+          <a:lstStyle/>
+          <a:p>
+            <a:r>
+              <a:rPr lang="ru-RU" sz="1400" dirty="0"/>
+              <a:t>Простая закраска</a:t>
+            </a:r>
+          </a:p>
+        </p:txBody>
+      </p:sp>
+      <p:sp>
+        <p:nvSpPr>
+          <p:cNvPr id="11" name="TextBox 10">
+            <a:extLst>
+              <a:ext uri="{FF2B5EF4-FFF2-40B4-BE49-F238E27FC236}">
+                <a16:creationId xmlns:a16="http://schemas.microsoft.com/office/drawing/2014/main" id="{38FBCCEE-C0BC-40CE-D863-BB7B7881AB24}"/>
+              </a:ext>
+            </a:extLst>
+          </p:cNvPr>
+          <p:cNvSpPr txBox="1"/>
+          <p:nvPr/>
+        </p:nvSpPr>
+        <p:spPr>
+          <a:xfrm>
+            <a:off x="8243633" y="4215097"/>
+            <a:ext cx="1511545" cy="307777"/>
+          </a:xfrm>
+          <a:prstGeom prst="rect">
+            <a:avLst/>
+          </a:prstGeom>
+          <a:noFill/>
+        </p:spPr>
+        <p:txBody>
+          <a:bodyPr wrap="square" rtlCol="0">
+            <a:spAutoFit/>
+          </a:bodyPr>
+          <a:lstStyle/>
+          <a:p>
+            <a:r>
+              <a:rPr lang="ru-RU" sz="1400" dirty="0"/>
+              <a:t>Закраска по Гуро</a:t>
+            </a:r>
+          </a:p>
+        </p:txBody>
+      </p:sp>
+      <p:sp>
+        <p:nvSpPr>
+          <p:cNvPr id="12" name="TextBox 11">
+            <a:extLst>
+              <a:ext uri="{FF2B5EF4-FFF2-40B4-BE49-F238E27FC236}">
+                <a16:creationId xmlns:a16="http://schemas.microsoft.com/office/drawing/2014/main" id="{24304720-B669-DBA2-7C34-D4C1151A4D82}"/>
+              </a:ext>
+            </a:extLst>
+          </p:cNvPr>
+          <p:cNvSpPr txBox="1"/>
+          <p:nvPr/>
+        </p:nvSpPr>
+        <p:spPr>
+          <a:xfrm>
+            <a:off x="8243633" y="6074130"/>
+            <a:ext cx="1590480" cy="307777"/>
+          </a:xfrm>
+          <a:prstGeom prst="rect">
+            <a:avLst/>
+          </a:prstGeom>
+          <a:noFill/>
+        </p:spPr>
+        <p:txBody>
+          <a:bodyPr wrap="square" rtlCol="0">
+            <a:spAutoFit/>
+          </a:bodyPr>
+          <a:lstStyle/>
+          <a:p>
+            <a:r>
+              <a:rPr lang="ru-RU" sz="1400" dirty="0"/>
+              <a:t>Закраска по Фонгу</a:t>
+            </a:r>
+          </a:p>
+        </p:txBody>
+      </p:sp>
       <p:pic>
         <p:nvPicPr>
-          <p:cNvPr id="11" name="Рисунок 10">
-            <a:extLst>
-              <a:ext uri="{FF2B5EF4-FFF2-40B4-BE49-F238E27FC236}">
-                <a16:creationId xmlns:a16="http://schemas.microsoft.com/office/drawing/2014/main" id="{BFA2D6F0-92F4-20BC-7DFD-3ED1753AC202}"/>
+          <p:cNvPr id="15" name="Рисунок 14">
+            <a:extLst>
+              <a:ext uri="{FF2B5EF4-FFF2-40B4-BE49-F238E27FC236}">
+                <a16:creationId xmlns:a16="http://schemas.microsoft.com/office/drawing/2014/main" id="{E29DFD85-40D3-A393-1981-48D3012C1862}"/>
               </a:ext>
             </a:extLst>
           </p:cNvPr>
@@ -5451,8 +5226,8 @@
         </p:blipFill>
         <p:spPr>
           <a:xfrm>
-            <a:off x="8617510" y="4306583"/>
-            <a:ext cx="3098218" cy="1877708"/>
+            <a:off x="792590" y="4429663"/>
+            <a:ext cx="6684648" cy="1644467"/>
           </a:xfrm>
           <a:prstGeom prst="rect">
             <a:avLst/>
@@ -5462,7 +5237,7 @@
     </p:spTree>
     <p:extLst>
       <p:ext uri="{BB962C8B-B14F-4D97-AF65-F5344CB8AC3E}">
-        <p14:creationId xmlns:p14="http://schemas.microsoft.com/office/powerpoint/2010/main" val="958741922"/>
+        <p14:creationId xmlns:p14="http://schemas.microsoft.com/office/powerpoint/2010/main" val="678224890"/>
       </p:ext>
     </p:extLst>
   </p:cSld>
@@ -5494,7 +5269,7 @@
           <p:cNvPr id="2" name="Заголовок 1">
             <a:extLst>
               <a:ext uri="{FF2B5EF4-FFF2-40B4-BE49-F238E27FC236}">
-                <a16:creationId xmlns:a16="http://schemas.microsoft.com/office/drawing/2014/main" id="{A88796A0-8409-E842-6983-A89843F942FC}"/>
+                <a16:creationId xmlns:a16="http://schemas.microsoft.com/office/drawing/2014/main" id="{03947988-08CF-D945-AC98-98A19B305A54}"/>
               </a:ext>
             </a:extLst>
           </p:cNvPr>
@@ -5512,57 +5287,17 @@
           <a:p>
             <a:r>
               <a:rPr lang="ru-RU" dirty="0"/>
-              <a:t>Алгоритмы закраски</a:t>
-            </a:r>
-          </a:p>
-        </p:txBody>
-      </p:sp>
-      <p:sp>
-        <p:nvSpPr>
-          <p:cNvPr id="3" name="Объект 2">
-            <a:extLst>
-              <a:ext uri="{FF2B5EF4-FFF2-40B4-BE49-F238E27FC236}">
-                <a16:creationId xmlns:a16="http://schemas.microsoft.com/office/drawing/2014/main" id="{1F4BADD3-D37F-2805-A17D-DF2D9D9F3B04}"/>
-              </a:ext>
-            </a:extLst>
-          </p:cNvPr>
-          <p:cNvSpPr>
-            <a:spLocks noGrp="1"/>
-          </p:cNvSpPr>
-          <p:nvPr>
-            <p:ph idx="1"/>
-          </p:nvPr>
-        </p:nvSpPr>
-        <p:spPr/>
-        <p:txBody>
-          <a:bodyPr/>
-          <a:lstStyle/>
-          <a:p>
-            <a:r>
-              <a:rPr lang="ru-RU" dirty="0"/>
-              <a:t>Простая закраска</a:t>
-            </a:r>
-          </a:p>
-          <a:p>
-            <a:r>
-              <a:rPr lang="ru-RU" dirty="0"/>
-              <a:t>Закраска по Гуро</a:t>
-            </a:r>
-          </a:p>
-          <a:p>
-            <a:r>
-              <a:rPr lang="ru-RU" dirty="0"/>
-              <a:t>Закраска по Фонгу</a:t>
+              <a:t>Схемы алгоритмов</a:t>
             </a:r>
           </a:p>
         </p:txBody>
       </p:sp>
       <p:pic>
         <p:nvPicPr>
-          <p:cNvPr id="5" name="Рисунок 4">
-            <a:extLst>
-              <a:ext uri="{FF2B5EF4-FFF2-40B4-BE49-F238E27FC236}">
-                <a16:creationId xmlns:a16="http://schemas.microsoft.com/office/drawing/2014/main" id="{93A7DC0D-4A8D-0E6D-E465-9944AA1AACFF}"/>
+          <p:cNvPr id="4" name="Рисунок 3">
+            <a:extLst>
+              <a:ext uri="{FF2B5EF4-FFF2-40B4-BE49-F238E27FC236}">
+                <a16:creationId xmlns:a16="http://schemas.microsoft.com/office/drawing/2014/main" id="{5BA70BA4-8362-CC13-149C-ACA5A52F168F}"/>
               </a:ext>
             </a:extLst>
           </p:cNvPr>
@@ -5579,20 +5314,63 @@
         </p:blipFill>
         <p:spPr>
           <a:xfrm>
-            <a:off x="838201" y="3634977"/>
-            <a:ext cx="3530600" cy="2287646"/>
+            <a:off x="6327525" y="1250830"/>
+            <a:ext cx="4352910" cy="4951562"/>
           </a:xfrm>
           <a:prstGeom prst="rect">
             <a:avLst/>
           </a:prstGeom>
         </p:spPr>
       </p:pic>
+      <p:sp>
+        <p:nvSpPr>
+          <p:cNvPr id="5" name="TextBox 4">
+            <a:extLst>
+              <a:ext uri="{FF2B5EF4-FFF2-40B4-BE49-F238E27FC236}">
+                <a16:creationId xmlns:a16="http://schemas.microsoft.com/office/drawing/2014/main" id="{824D1CDF-CB8E-5231-D782-DC987573A6E6}"/>
+              </a:ext>
+            </a:extLst>
+          </p:cNvPr>
+          <p:cNvSpPr txBox="1"/>
+          <p:nvPr/>
+        </p:nvSpPr>
+        <p:spPr>
+          <a:xfrm>
+            <a:off x="7435969" y="6202392"/>
+            <a:ext cx="2534155" cy="369332"/>
+          </a:xfrm>
+          <a:prstGeom prst="rect">
+            <a:avLst/>
+          </a:prstGeom>
+          <a:noFill/>
+        </p:spPr>
+        <p:txBody>
+          <a:bodyPr wrap="none" rtlCol="0">
+            <a:spAutoFit/>
+          </a:bodyPr>
+          <a:lstStyle/>
+          <a:p>
+            <a:r>
+              <a:rPr lang="ru-RU" dirty="0"/>
+              <a:t>Построение </a:t>
+            </a:r>
+            <a:r>
+              <a:rPr lang="en-US" dirty="0"/>
+              <a:t>BSP-</a:t>
+            </a:r>
+            <a:r>
+              <a:rPr lang="ru-RU" dirty="0"/>
+              <a:t>дерева</a:t>
+            </a:r>
+          </a:p>
+        </p:txBody>
+      </p:sp>
       <p:pic>
         <p:nvPicPr>
           <p:cNvPr id="7" name="Рисунок 6">
             <a:extLst>
               <a:ext uri="{FF2B5EF4-FFF2-40B4-BE49-F238E27FC236}">
-                <a16:creationId xmlns:a16="http://schemas.microsoft.com/office/drawing/2014/main" id="{DC2C3652-3917-8B75-FB44-3AB1B88EE3EA}"/>
+                <a16:creationId xmlns:a16="http://schemas.microsoft.com/office/drawing/2014/main" id="{ADB2E616-9191-3A69-0DE3-D26DC1FC4C9C}"/>
               </a:ext>
             </a:extLst>
           </p:cNvPr>
@@ -5602,55 +5380,66 @@
           <p:nvPr/>
         </p:nvPicPr>
         <p:blipFill>
-          <a:blip r:embed="rId3"/>
+          <a:blip r:embed="rId3">
+            <a:extLst>
+              <a:ext uri="{28A0092B-C50C-407E-A947-70E740481C1C}">
+                <a14:useLocalDpi xmlns:a14="http://schemas.microsoft.com/office/drawing/2010/main" val="0"/>
+              </a:ext>
+            </a:extLst>
+          </a:blip>
           <a:stretch>
             <a:fillRect/>
           </a:stretch>
         </p:blipFill>
         <p:spPr>
           <a:xfrm>
-            <a:off x="4708942" y="3634977"/>
-            <a:ext cx="3268066" cy="2287646"/>
+            <a:off x="2007466" y="1406105"/>
+            <a:ext cx="1902586" cy="4632385"/>
           </a:xfrm>
           <a:prstGeom prst="rect">
             <a:avLst/>
           </a:prstGeom>
         </p:spPr>
       </p:pic>
-      <p:pic>
-        <p:nvPicPr>
-          <p:cNvPr id="9" name="Рисунок 8">
-            <a:extLst>
-              <a:ext uri="{FF2B5EF4-FFF2-40B4-BE49-F238E27FC236}">
-                <a16:creationId xmlns:a16="http://schemas.microsoft.com/office/drawing/2014/main" id="{1529CB8F-9F09-1E33-6057-7384F8A6D92A}"/>
-              </a:ext>
-            </a:extLst>
-          </p:cNvPr>
-          <p:cNvPicPr>
-            <a:picLocks noChangeAspect="1"/>
-          </p:cNvPicPr>
+      <p:sp>
+        <p:nvSpPr>
+          <p:cNvPr id="9" name="TextBox 8">
+            <a:extLst>
+              <a:ext uri="{FF2B5EF4-FFF2-40B4-BE49-F238E27FC236}">
+                <a16:creationId xmlns:a16="http://schemas.microsoft.com/office/drawing/2014/main" id="{E379C750-FFEC-EC9B-D660-5CB1FAA0193D}"/>
+              </a:ext>
+            </a:extLst>
+          </p:cNvPr>
+          <p:cNvSpPr txBox="1"/>
           <p:nvPr/>
-        </p:nvPicPr>
-        <p:blipFill>
-          <a:blip r:embed="rId4"/>
-          <a:stretch>
-            <a:fillRect/>
-          </a:stretch>
-        </p:blipFill>
+        </p:nvSpPr>
         <p:spPr>
           <a:xfrm>
-            <a:off x="8208731" y="3634977"/>
-            <a:ext cx="3311640" cy="2287646"/>
+            <a:off x="1873874" y="6123543"/>
+            <a:ext cx="1834990" cy="369332"/>
           </a:xfrm>
           <a:prstGeom prst="rect">
             <a:avLst/>
           </a:prstGeom>
-        </p:spPr>
-      </p:pic>
+          <a:noFill/>
+        </p:spPr>
+        <p:txBody>
+          <a:bodyPr wrap="none" rtlCol="0">
+            <a:spAutoFit/>
+          </a:bodyPr>
+          <a:lstStyle/>
+          <a:p>
+            <a:r>
+              <a:rPr lang="ru-RU" dirty="0"/>
+              <a:t>Генерация кадра</a:t>
+            </a:r>
+          </a:p>
+        </p:txBody>
+      </p:sp>
     </p:spTree>
     <p:extLst>
       <p:ext uri="{BB962C8B-B14F-4D97-AF65-F5344CB8AC3E}">
-        <p14:creationId xmlns:p14="http://schemas.microsoft.com/office/powerpoint/2010/main" val="678224890"/>
+        <p14:creationId xmlns:p14="http://schemas.microsoft.com/office/powerpoint/2010/main" val="3195232485"/>
       </p:ext>
     </p:extLst>
   </p:cSld>
@@ -5682,7 +5471,7 @@
           <p:cNvPr id="2" name="Заголовок 1">
             <a:extLst>
               <a:ext uri="{FF2B5EF4-FFF2-40B4-BE49-F238E27FC236}">
-                <a16:creationId xmlns:a16="http://schemas.microsoft.com/office/drawing/2014/main" id="{03947988-08CF-D945-AC98-98A19B305A54}"/>
+                <a16:creationId xmlns:a16="http://schemas.microsoft.com/office/drawing/2014/main" id="{464CA01A-70CA-2693-6ED2-828AB46C1697}"/>
               </a:ext>
             </a:extLst>
           </p:cNvPr>
@@ -5700,30 +5489,22 @@
           <a:p>
             <a:r>
               <a:rPr lang="ru-RU" dirty="0"/>
-              <a:t>Алгоритм построения </a:t>
-            </a:r>
-            <a:r>
-              <a:rPr lang="en-US" dirty="0"/>
-              <a:t>BSP-</a:t>
-            </a:r>
-            <a:r>
-              <a:rPr lang="ru-RU" dirty="0"/>
-              <a:t>дерева</a:t>
+              <a:t>Средства реализации</a:t>
             </a:r>
           </a:p>
         </p:txBody>
       </p:sp>
       <p:pic>
         <p:nvPicPr>
-          <p:cNvPr id="8" name="Рисунок 7">
-            <a:extLst>
-              <a:ext uri="{FF2B5EF4-FFF2-40B4-BE49-F238E27FC236}">
-                <a16:creationId xmlns:a16="http://schemas.microsoft.com/office/drawing/2014/main" id="{5145BAB0-5875-664F-6951-57ED5360DA39}"/>
+          <p:cNvPr id="2054" name="Picture 6">
+            <a:extLst>
+              <a:ext uri="{FF2B5EF4-FFF2-40B4-BE49-F238E27FC236}">
+                <a16:creationId xmlns:a16="http://schemas.microsoft.com/office/drawing/2014/main" id="{EE4D40E0-2C97-82DF-731F-E3BA5DCF3056}"/>
               </a:ext>
             </a:extLst>
           </p:cNvPr>
           <p:cNvPicPr>
-            <a:picLocks noChangeAspect="1"/>
+            <a:picLocks noChangeAspect="1" noChangeArrowheads="1"/>
           </p:cNvPicPr>
           <p:nvPr/>
         </p:nvPicPr>
@@ -5735,31 +5516,42 @@
               </a:ext>
             </a:extLst>
           </a:blip>
+          <a:srcRect/>
           <a:stretch>
             <a:fillRect/>
           </a:stretch>
         </p:blipFill>
-        <p:spPr>
-          <a:xfrm>
-            <a:off x="2037787" y="1330037"/>
-            <a:ext cx="2479138" cy="5444836"/>
+        <p:spPr bwMode="auto">
+          <a:xfrm>
+            <a:off x="7981805" y="1285973"/>
+            <a:ext cx="2755179" cy="2143027"/>
           </a:xfrm>
           <a:prstGeom prst="rect">
             <a:avLst/>
           </a:prstGeom>
+          <a:noFill/>
+          <a:extLst>
+            <a:ext uri="{909E8E84-426E-40DD-AFC4-6F175D3DCCD1}">
+              <a14:hiddenFill xmlns:a14="http://schemas.microsoft.com/office/drawing/2010/main">
+                <a:solidFill>
+                  <a:srgbClr val="FFFFFF"/>
+                </a:solidFill>
+              </a14:hiddenFill>
+            </a:ext>
+          </a:extLst>
         </p:spPr>
       </p:pic>
       <p:pic>
         <p:nvPicPr>
-          <p:cNvPr id="10" name="Рисунок 9">
-            <a:extLst>
-              <a:ext uri="{FF2B5EF4-FFF2-40B4-BE49-F238E27FC236}">
-                <a16:creationId xmlns:a16="http://schemas.microsoft.com/office/drawing/2014/main" id="{22C17D7D-D571-CB87-076D-EBB001A90497}"/>
+          <p:cNvPr id="2056" name="Picture 8">
+            <a:extLst>
+              <a:ext uri="{FF2B5EF4-FFF2-40B4-BE49-F238E27FC236}">
+                <a16:creationId xmlns:a16="http://schemas.microsoft.com/office/drawing/2014/main" id="{86F45F4D-7E86-E8EA-DA7D-3CEC3BE11801}"/>
               </a:ext>
             </a:extLst>
           </p:cNvPr>
           <p:cNvPicPr>
-            <a:picLocks noChangeAspect="1"/>
+            <a:picLocks noChangeAspect="1" noChangeArrowheads="1"/>
           </p:cNvPicPr>
           <p:nvPr/>
         </p:nvPicPr>
@@ -5771,24 +5563,80 @@
               </a:ext>
             </a:extLst>
           </a:blip>
+          <a:srcRect/>
           <a:stretch>
             <a:fillRect/>
           </a:stretch>
         </p:blipFill>
-        <p:spPr>
-          <a:xfrm>
-            <a:off x="7997389" y="1330037"/>
-            <a:ext cx="2156824" cy="4918364"/>
+        <p:spPr bwMode="auto">
+          <a:xfrm>
+            <a:off x="8367712" y="3781859"/>
+            <a:ext cx="1983366" cy="2047835"/>
           </a:xfrm>
           <a:prstGeom prst="rect">
             <a:avLst/>
           </a:prstGeom>
+          <a:noFill/>
+          <a:extLst>
+            <a:ext uri="{909E8E84-426E-40DD-AFC4-6F175D3DCCD1}">
+              <a14:hiddenFill xmlns:a14="http://schemas.microsoft.com/office/drawing/2010/main">
+                <a:solidFill>
+                  <a:srgbClr val="FFFFFF"/>
+                </a:solidFill>
+              </a14:hiddenFill>
+            </a:ext>
+          </a:extLst>
         </p:spPr>
       </p:pic>
+      <p:sp>
+        <p:nvSpPr>
+          <p:cNvPr id="3" name="Объект 2">
+            <a:extLst>
+              <a:ext uri="{FF2B5EF4-FFF2-40B4-BE49-F238E27FC236}">
+                <a16:creationId xmlns:a16="http://schemas.microsoft.com/office/drawing/2014/main" id="{78E54C6E-FA05-620B-AD27-A0E76EF69CC1}"/>
+              </a:ext>
+            </a:extLst>
+          </p:cNvPr>
+          <p:cNvSpPr>
+            <a:spLocks noGrp="1"/>
+          </p:cNvSpPr>
+          <p:nvPr>
+            <p:ph idx="1"/>
+          </p:nvPr>
+        </p:nvSpPr>
+        <p:spPr>
+          <a:xfrm>
+            <a:off x="838200" y="1825625"/>
+            <a:ext cx="10515600" cy="4351338"/>
+          </a:xfrm>
+        </p:spPr>
+        <p:txBody>
+          <a:bodyPr/>
+          <a:lstStyle/>
+          <a:p>
+            <a:r>
+              <a:rPr lang="ru-RU" dirty="0"/>
+              <a:t>Поддержка ООП</a:t>
+            </a:r>
+          </a:p>
+          <a:p>
+            <a:r>
+              <a:rPr lang="ru-RU" dirty="0"/>
+              <a:t>Строгая типизация</a:t>
+            </a:r>
+          </a:p>
+          <a:p>
+            <a:r>
+              <a:rPr lang="ru-RU" dirty="0"/>
+              <a:t>Большое разнообразие библиотек</a:t>
+            </a:r>
+          </a:p>
+        </p:txBody>
+      </p:sp>
     </p:spTree>
     <p:extLst>
       <p:ext uri="{BB962C8B-B14F-4D97-AF65-F5344CB8AC3E}">
-        <p14:creationId xmlns:p14="http://schemas.microsoft.com/office/powerpoint/2010/main" val="3195232485"/>
+        <p14:creationId xmlns:p14="http://schemas.microsoft.com/office/powerpoint/2010/main" val="1346063035"/>
       </p:ext>
     </p:extLst>
   </p:cSld>
@@ -5820,7 +5668,7 @@
           <p:cNvPr id="2" name="Заголовок 1">
             <a:extLst>
               <a:ext uri="{FF2B5EF4-FFF2-40B4-BE49-F238E27FC236}">
-                <a16:creationId xmlns:a16="http://schemas.microsoft.com/office/drawing/2014/main" id="{34878D8E-011C-4883-D12C-0306CACF3FF0}"/>
+                <a16:creationId xmlns:a16="http://schemas.microsoft.com/office/drawing/2014/main" id="{3EF2A036-8E2D-F7BC-4BEC-28D1888B750F}"/>
               </a:ext>
             </a:extLst>
           </p:cNvPr>
@@ -5838,17 +5686,17 @@
           <a:p>
             <a:r>
               <a:rPr lang="ru-RU" dirty="0"/>
-              <a:t>Алгоритм генерации кадра</a:t>
+              <a:t>Исследование производительности визуализатора</a:t>
             </a:r>
           </a:p>
         </p:txBody>
       </p:sp>
       <p:pic>
         <p:nvPicPr>
-          <p:cNvPr id="9" name="Рисунок 8">
-            <a:extLst>
-              <a:ext uri="{FF2B5EF4-FFF2-40B4-BE49-F238E27FC236}">
-                <a16:creationId xmlns:a16="http://schemas.microsoft.com/office/drawing/2014/main" id="{425CE026-0FBA-791A-4F9E-14EF0F8B0D1A}"/>
+          <p:cNvPr id="5" name="Рисунок 4">
+            <a:extLst>
+              <a:ext uri="{FF2B5EF4-FFF2-40B4-BE49-F238E27FC236}">
+                <a16:creationId xmlns:a16="http://schemas.microsoft.com/office/drawing/2014/main" id="{8E481967-FC38-2E50-11B4-D3AF2F904BAF}"/>
               </a:ext>
             </a:extLst>
           </p:cNvPr>
@@ -5865,24 +5713,29 @@
               </a:ext>
             </a:extLst>
           </a:blip>
+          <a:srcRect/>
           <a:stretch>
             <a:fillRect/>
           </a:stretch>
         </p:blipFill>
-        <p:spPr>
-          <a:xfrm>
-            <a:off x="5445958" y="1320800"/>
-            <a:ext cx="2153722" cy="5229634"/>
+        <p:spPr bwMode="auto">
+          <a:xfrm>
+            <a:off x="1596707" y="1792604"/>
+            <a:ext cx="5799773" cy="4347737"/>
           </a:xfrm>
           <a:prstGeom prst="rect">
             <a:avLst/>
           </a:prstGeom>
+          <a:noFill/>
+          <a:ln>
+            <a:noFill/>
+          </a:ln>
         </p:spPr>
       </p:pic>
     </p:spTree>
     <p:extLst>
       <p:ext uri="{BB962C8B-B14F-4D97-AF65-F5344CB8AC3E}">
-        <p14:creationId xmlns:p14="http://schemas.microsoft.com/office/powerpoint/2010/main" val="699691546"/>
+        <p14:creationId xmlns:p14="http://schemas.microsoft.com/office/powerpoint/2010/main" val="3385797914"/>
       </p:ext>
     </p:extLst>
   </p:cSld>

--- a/docs/Курсовая_Презентация.pptx
+++ b/docs/Курсовая_Презентация.pptx
@@ -3780,6 +3780,41 @@
           </a:p>
         </p:txBody>
       </p:sp>
+      <p:sp>
+        <p:nvSpPr>
+          <p:cNvPr id="10" name="TextBox 9">
+            <a:extLst>
+              <a:ext uri="{FF2B5EF4-FFF2-40B4-BE49-F238E27FC236}">
+                <a16:creationId xmlns:a16="http://schemas.microsoft.com/office/drawing/2014/main" id="{02563D5E-4D9E-51A0-F819-C89568C02A2E}"/>
+              </a:ext>
+            </a:extLst>
+          </p:cNvPr>
+          <p:cNvSpPr txBox="1"/>
+          <p:nvPr/>
+        </p:nvSpPr>
+        <p:spPr>
+          <a:xfrm>
+            <a:off x="11697419" y="6322565"/>
+            <a:ext cx="418704" cy="369332"/>
+          </a:xfrm>
+          <a:prstGeom prst="rect">
+            <a:avLst/>
+          </a:prstGeom>
+          <a:noFill/>
+        </p:spPr>
+        <p:txBody>
+          <a:bodyPr wrap="none" rtlCol="0">
+            <a:spAutoFit/>
+          </a:bodyPr>
+          <a:lstStyle/>
+          <a:p>
+            <a:r>
+              <a:rPr lang="ru-RU" dirty="0"/>
+              <a:t>10</a:t>
+            </a:r>
+          </a:p>
+        </p:txBody>
+      </p:sp>
     </p:spTree>
     <p:extLst>
       <p:ext uri="{BB962C8B-B14F-4D97-AF65-F5344CB8AC3E}">
@@ -3932,6 +3967,41 @@
           </a:p>
         </p:txBody>
       </p:sp>
+      <p:sp>
+        <p:nvSpPr>
+          <p:cNvPr id="4" name="TextBox 3">
+            <a:extLst>
+              <a:ext uri="{FF2B5EF4-FFF2-40B4-BE49-F238E27FC236}">
+                <a16:creationId xmlns:a16="http://schemas.microsoft.com/office/drawing/2014/main" id="{77B617F4-5CF5-8F35-95C9-6DBBB31E14EF}"/>
+              </a:ext>
+            </a:extLst>
+          </p:cNvPr>
+          <p:cNvSpPr txBox="1"/>
+          <p:nvPr/>
+        </p:nvSpPr>
+        <p:spPr>
+          <a:xfrm>
+            <a:off x="11697419" y="6322565"/>
+            <a:ext cx="418704" cy="369332"/>
+          </a:xfrm>
+          <a:prstGeom prst="rect">
+            <a:avLst/>
+          </a:prstGeom>
+          <a:noFill/>
+        </p:spPr>
+        <p:txBody>
+          <a:bodyPr wrap="none" rtlCol="0">
+            <a:spAutoFit/>
+          </a:bodyPr>
+          <a:lstStyle/>
+          <a:p>
+            <a:r>
+              <a:rPr lang="ru-RU" dirty="0"/>
+              <a:t>11</a:t>
+            </a:r>
+          </a:p>
+        </p:txBody>
+      </p:sp>
     </p:spTree>
     <p:extLst>
       <p:ext uri="{BB962C8B-B14F-4D97-AF65-F5344CB8AC3E}">
@@ -4125,6 +4195,42 @@
           </a:prstGeom>
         </p:spPr>
       </p:pic>
+      <p:sp>
+        <p:nvSpPr>
+          <p:cNvPr id="4" name="TextBox 3">
+            <a:extLst>
+              <a:ext uri="{FF2B5EF4-FFF2-40B4-BE49-F238E27FC236}">
+                <a16:creationId xmlns:a16="http://schemas.microsoft.com/office/drawing/2014/main" id="{6E563932-E4B6-0FE8-1C29-EDB35B5904BE}"/>
+              </a:ext>
+            </a:extLst>
+          </p:cNvPr>
+          <p:cNvSpPr txBox="1"/>
+          <p:nvPr/>
+        </p:nvSpPr>
+        <p:spPr>
+          <a:xfrm>
+            <a:off x="11697419" y="6322565"/>
+            <a:ext cx="301686" cy="369332"/>
+          </a:xfrm>
+          <a:prstGeom prst="rect">
+            <a:avLst/>
+          </a:prstGeom>
+          <a:noFill/>
+        </p:spPr>
+        <p:txBody>
+          <a:bodyPr wrap="none" rtlCol="0">
+            <a:spAutoFit/>
+          </a:bodyPr>
+          <a:lstStyle/>
+          <a:p>
+            <a:r>
+              <a:rPr lang="en-US" dirty="0"/>
+              <a:t>2</a:t>
+            </a:r>
+            <a:endParaRPr lang="ru-RU" dirty="0"/>
+          </a:p>
+        </p:txBody>
+      </p:sp>
     </p:spTree>
     <p:extLst>
       <p:ext uri="{BB962C8B-B14F-4D97-AF65-F5344CB8AC3E}">
@@ -4303,6 +4409,41 @@
           </a:p>
         </p:txBody>
       </p:sp>
+      <p:sp>
+        <p:nvSpPr>
+          <p:cNvPr id="5" name="TextBox 4">
+            <a:extLst>
+              <a:ext uri="{FF2B5EF4-FFF2-40B4-BE49-F238E27FC236}">
+                <a16:creationId xmlns:a16="http://schemas.microsoft.com/office/drawing/2014/main" id="{C5A2F438-A3A0-1C1A-F16D-D77E8998FA7E}"/>
+              </a:ext>
+            </a:extLst>
+          </p:cNvPr>
+          <p:cNvSpPr txBox="1"/>
+          <p:nvPr/>
+        </p:nvSpPr>
+        <p:spPr>
+          <a:xfrm>
+            <a:off x="11697419" y="6322565"/>
+            <a:ext cx="301686" cy="369332"/>
+          </a:xfrm>
+          <a:prstGeom prst="rect">
+            <a:avLst/>
+          </a:prstGeom>
+          <a:noFill/>
+        </p:spPr>
+        <p:txBody>
+          <a:bodyPr wrap="none" rtlCol="0">
+            <a:spAutoFit/>
+          </a:bodyPr>
+          <a:lstStyle/>
+          <a:p>
+            <a:r>
+              <a:rPr lang="ru-RU" dirty="0"/>
+              <a:t>3</a:t>
+            </a:r>
+          </a:p>
+        </p:txBody>
+      </p:sp>
     </p:spTree>
     <p:extLst>
       <p:ext uri="{BB962C8B-B14F-4D97-AF65-F5344CB8AC3E}">
@@ -4653,6 +4794,41 @@
           </a:prstGeom>
         </p:spPr>
       </p:pic>
+      <p:sp>
+        <p:nvSpPr>
+          <p:cNvPr id="4" name="TextBox 3">
+            <a:extLst>
+              <a:ext uri="{FF2B5EF4-FFF2-40B4-BE49-F238E27FC236}">
+                <a16:creationId xmlns:a16="http://schemas.microsoft.com/office/drawing/2014/main" id="{7CFCA27B-0D08-58D0-0885-DCA7F43DEC25}"/>
+              </a:ext>
+            </a:extLst>
+          </p:cNvPr>
+          <p:cNvSpPr txBox="1"/>
+          <p:nvPr/>
+        </p:nvSpPr>
+        <p:spPr>
+          <a:xfrm>
+            <a:off x="11697419" y="6322565"/>
+            <a:ext cx="301686" cy="369332"/>
+          </a:xfrm>
+          <a:prstGeom prst="rect">
+            <a:avLst/>
+          </a:prstGeom>
+          <a:noFill/>
+        </p:spPr>
+        <p:txBody>
+          <a:bodyPr wrap="none" rtlCol="0">
+            <a:spAutoFit/>
+          </a:bodyPr>
+          <a:lstStyle/>
+          <a:p>
+            <a:r>
+              <a:rPr lang="ru-RU" dirty="0"/>
+              <a:t>4</a:t>
+            </a:r>
+          </a:p>
+        </p:txBody>
+      </p:sp>
     </p:spTree>
     <p:extLst>
       <p:ext uri="{BB962C8B-B14F-4D97-AF65-F5344CB8AC3E}">
@@ -4911,6 +5087,41 @@
           </a:prstGeom>
         </p:spPr>
       </p:pic>
+      <p:sp>
+        <p:nvSpPr>
+          <p:cNvPr id="4" name="TextBox 3">
+            <a:extLst>
+              <a:ext uri="{FF2B5EF4-FFF2-40B4-BE49-F238E27FC236}">
+                <a16:creationId xmlns:a16="http://schemas.microsoft.com/office/drawing/2014/main" id="{0DA12F0E-6F73-64BE-56FA-567D61C9F178}"/>
+              </a:ext>
+            </a:extLst>
+          </p:cNvPr>
+          <p:cNvSpPr txBox="1"/>
+          <p:nvPr/>
+        </p:nvSpPr>
+        <p:spPr>
+          <a:xfrm>
+            <a:off x="11697419" y="6322565"/>
+            <a:ext cx="301686" cy="369332"/>
+          </a:xfrm>
+          <a:prstGeom prst="rect">
+            <a:avLst/>
+          </a:prstGeom>
+          <a:noFill/>
+        </p:spPr>
+        <p:txBody>
+          <a:bodyPr wrap="none" rtlCol="0">
+            <a:spAutoFit/>
+          </a:bodyPr>
+          <a:lstStyle/>
+          <a:p>
+            <a:r>
+              <a:rPr lang="ru-RU" dirty="0"/>
+              <a:t>5</a:t>
+            </a:r>
+          </a:p>
+        </p:txBody>
+      </p:sp>
     </p:spTree>
     <p:extLst>
       <p:ext uri="{BB962C8B-B14F-4D97-AF65-F5344CB8AC3E}">
@@ -5234,6 +5445,41 @@
           </a:prstGeom>
         </p:spPr>
       </p:pic>
+      <p:sp>
+        <p:nvSpPr>
+          <p:cNvPr id="6" name="TextBox 5">
+            <a:extLst>
+              <a:ext uri="{FF2B5EF4-FFF2-40B4-BE49-F238E27FC236}">
+                <a16:creationId xmlns:a16="http://schemas.microsoft.com/office/drawing/2014/main" id="{17C905C7-A73C-0B1E-F7C9-68EC9F3E1BCE}"/>
+              </a:ext>
+            </a:extLst>
+          </p:cNvPr>
+          <p:cNvSpPr txBox="1"/>
+          <p:nvPr/>
+        </p:nvSpPr>
+        <p:spPr>
+          <a:xfrm>
+            <a:off x="11697419" y="6322565"/>
+            <a:ext cx="301686" cy="369332"/>
+          </a:xfrm>
+          <a:prstGeom prst="rect">
+            <a:avLst/>
+          </a:prstGeom>
+          <a:noFill/>
+        </p:spPr>
+        <p:txBody>
+          <a:bodyPr wrap="none" rtlCol="0">
+            <a:spAutoFit/>
+          </a:bodyPr>
+          <a:lstStyle/>
+          <a:p>
+            <a:r>
+              <a:rPr lang="ru-RU" dirty="0"/>
+              <a:t>6</a:t>
+            </a:r>
+          </a:p>
+        </p:txBody>
+      </p:sp>
     </p:spTree>
     <p:extLst>
       <p:ext uri="{BB962C8B-B14F-4D97-AF65-F5344CB8AC3E}">
@@ -5436,6 +5682,41 @@
           </a:p>
         </p:txBody>
       </p:sp>
+      <p:sp>
+        <p:nvSpPr>
+          <p:cNvPr id="3" name="TextBox 2">
+            <a:extLst>
+              <a:ext uri="{FF2B5EF4-FFF2-40B4-BE49-F238E27FC236}">
+                <a16:creationId xmlns:a16="http://schemas.microsoft.com/office/drawing/2014/main" id="{36E8EF31-D12B-F868-A8E8-F6A456A86EF8}"/>
+              </a:ext>
+            </a:extLst>
+          </p:cNvPr>
+          <p:cNvSpPr txBox="1"/>
+          <p:nvPr/>
+        </p:nvSpPr>
+        <p:spPr>
+          <a:xfrm>
+            <a:off x="11697419" y="6322565"/>
+            <a:ext cx="301686" cy="369332"/>
+          </a:xfrm>
+          <a:prstGeom prst="rect">
+            <a:avLst/>
+          </a:prstGeom>
+          <a:noFill/>
+        </p:spPr>
+        <p:txBody>
+          <a:bodyPr wrap="none" rtlCol="0">
+            <a:spAutoFit/>
+          </a:bodyPr>
+          <a:lstStyle/>
+          <a:p>
+            <a:r>
+              <a:rPr lang="ru-RU" dirty="0"/>
+              <a:t>7</a:t>
+            </a:r>
+          </a:p>
+        </p:txBody>
+      </p:sp>
     </p:spTree>
     <p:extLst>
       <p:ext uri="{BB962C8B-B14F-4D97-AF65-F5344CB8AC3E}">
@@ -5633,6 +5914,41 @@
           </a:p>
         </p:txBody>
       </p:sp>
+      <p:sp>
+        <p:nvSpPr>
+          <p:cNvPr id="4" name="TextBox 3">
+            <a:extLst>
+              <a:ext uri="{FF2B5EF4-FFF2-40B4-BE49-F238E27FC236}">
+                <a16:creationId xmlns:a16="http://schemas.microsoft.com/office/drawing/2014/main" id="{BF666458-BE67-2F6C-A050-3BE9539C3628}"/>
+              </a:ext>
+            </a:extLst>
+          </p:cNvPr>
+          <p:cNvSpPr txBox="1"/>
+          <p:nvPr/>
+        </p:nvSpPr>
+        <p:spPr>
+          <a:xfrm>
+            <a:off x="11697419" y="6322565"/>
+            <a:ext cx="301686" cy="369332"/>
+          </a:xfrm>
+          <a:prstGeom prst="rect">
+            <a:avLst/>
+          </a:prstGeom>
+          <a:noFill/>
+        </p:spPr>
+        <p:txBody>
+          <a:bodyPr wrap="none" rtlCol="0">
+            <a:spAutoFit/>
+          </a:bodyPr>
+          <a:lstStyle/>
+          <a:p>
+            <a:r>
+              <a:rPr lang="ru-RU" dirty="0"/>
+              <a:t>8</a:t>
+            </a:r>
+          </a:p>
+        </p:txBody>
+      </p:sp>
     </p:spTree>
     <p:extLst>
       <p:ext uri="{BB962C8B-B14F-4D97-AF65-F5344CB8AC3E}">
@@ -5732,6 +6048,41 @@
           </a:ln>
         </p:spPr>
       </p:pic>
+      <p:sp>
+        <p:nvSpPr>
+          <p:cNvPr id="3" name="TextBox 2">
+            <a:extLst>
+              <a:ext uri="{FF2B5EF4-FFF2-40B4-BE49-F238E27FC236}">
+                <a16:creationId xmlns:a16="http://schemas.microsoft.com/office/drawing/2014/main" id="{44C5F98A-5451-9D95-A240-ED1732BC6FE3}"/>
+              </a:ext>
+            </a:extLst>
+          </p:cNvPr>
+          <p:cNvSpPr txBox="1"/>
+          <p:nvPr/>
+        </p:nvSpPr>
+        <p:spPr>
+          <a:xfrm>
+            <a:off x="11697419" y="6322565"/>
+            <a:ext cx="301686" cy="369332"/>
+          </a:xfrm>
+          <a:prstGeom prst="rect">
+            <a:avLst/>
+          </a:prstGeom>
+          <a:noFill/>
+        </p:spPr>
+        <p:txBody>
+          <a:bodyPr wrap="none" rtlCol="0">
+            <a:spAutoFit/>
+          </a:bodyPr>
+          <a:lstStyle/>
+          <a:p>
+            <a:r>
+              <a:rPr lang="ru-RU" dirty="0"/>
+              <a:t>9</a:t>
+            </a:r>
+          </a:p>
+        </p:txBody>
+      </p:sp>
     </p:spTree>
     <p:extLst>
       <p:ext uri="{BB962C8B-B14F-4D97-AF65-F5344CB8AC3E}">
